--- a/eece3170/sum16/lectures/eece.3170sum16_lec2.pptx
+++ b/eece3170/sum16/lectures/eece.3170sum16_lec2.pptx
@@ -565,7 +565,7 @@
             <a:tailEnd/>
           </a:ln>
           <a:extLst>
-            <a:ext uri="{909E8E84-426E-40dd-AFC4-6F175D3DCCD1}">
+            <a:ext uri="{909E8E84-426E-40DD-AFC4-6F175D3DCCD1}">
               <a14:hiddenFill xmlns:a14="http://schemas.microsoft.com/office/drawing/2010/main">
                 <a:solidFill>
                   <a:srgbClr val="FFFFFF"/>
@@ -573,7 +573,7 @@
               </a14:hiddenFill>
             </a:ext>
             <a:ext uri="{FAA26D3D-D897-4be2-8F04-BA451C77F1D7}">
-              <ma14:placeholderFlag xmlns:ma14="http://schemas.microsoft.com/office/mac/drawingml/2011/main" val="1"/>
+              <ma14:placeholderFlag xmlns:ma14="http://schemas.microsoft.com/office/mac/drawingml/2011/main" xmlns="" val="1"/>
             </a:ext>
           </a:extLst>
         </p:spPr>
@@ -912,14 +912,14 @@
           <a:noFill/>
           <a:ln/>
           <a:extLst>
-            <a:ext uri="{909E8E84-426E-40dd-AFC4-6F175D3DCCD1}">
+            <a:ext uri="{909E8E84-426E-40DD-AFC4-6F175D3DCCD1}">
               <a14:hiddenFill xmlns:a14="http://schemas.microsoft.com/office/drawing/2010/main">
                 <a:solidFill>
                   <a:srgbClr val="FFFFFF"/>
                 </a:solidFill>
               </a14:hiddenFill>
             </a:ext>
-            <a:ext uri="{91240B29-F687-4f45-9708-019B960494DF}">
+            <a:ext uri="{91240B29-F687-4F45-9708-019B960494DF}">
               <a14:hiddenLine xmlns:a14="http://schemas.microsoft.com/office/drawing/2010/main" w="9525">
                 <a:solidFill>
                   <a:srgbClr val="000000"/>
@@ -1087,14 +1087,14 @@
           <a:noFill/>
           <a:ln/>
           <a:extLst>
-            <a:ext uri="{909E8E84-426E-40dd-AFC4-6F175D3DCCD1}">
+            <a:ext uri="{909E8E84-426E-40DD-AFC4-6F175D3DCCD1}">
               <a14:hiddenFill xmlns:a14="http://schemas.microsoft.com/office/drawing/2010/main">
                 <a:solidFill>
                   <a:srgbClr val="FFFFFF"/>
                 </a:solidFill>
               </a14:hiddenFill>
             </a:ext>
-            <a:ext uri="{91240B29-F687-4f45-9708-019B960494DF}">
+            <a:ext uri="{91240B29-F687-4F45-9708-019B960494DF}">
               <a14:hiddenLine xmlns:a14="http://schemas.microsoft.com/office/drawing/2010/main" w="9525">
                 <a:solidFill>
                   <a:srgbClr val="000000"/>
@@ -1105,7 +1105,7 @@
               </a14:hiddenLine>
             </a:ext>
             <a:ext uri="{FAA26D3D-D897-4be2-8F04-BA451C77F1D7}">
-              <ma14:placeholderFlag xmlns:ma14="http://schemas.microsoft.com/office/mac/drawingml/2011/main" val="1"/>
+              <ma14:placeholderFlag xmlns:ma14="http://schemas.microsoft.com/office/mac/drawingml/2011/main" xmlns="" val="1"/>
             </a:ext>
           </a:extLst>
         </p:spPr>
@@ -1157,14 +1157,14 @@
           <a:noFill/>
           <a:ln/>
           <a:extLst>
-            <a:ext uri="{909E8E84-426E-40dd-AFC4-6F175D3DCCD1}">
+            <a:ext uri="{909E8E84-426E-40DD-AFC4-6F175D3DCCD1}">
               <a14:hiddenFill xmlns:a14="http://schemas.microsoft.com/office/drawing/2010/main">
                 <a:solidFill>
                   <a:srgbClr val="FFFFFF"/>
                 </a:solidFill>
               </a14:hiddenFill>
             </a:ext>
-            <a:ext uri="{91240B29-F687-4f45-9708-019B960494DF}">
+            <a:ext uri="{91240B29-F687-4F45-9708-019B960494DF}">
               <a14:hiddenLine xmlns:a14="http://schemas.microsoft.com/office/drawing/2010/main" w="9525">
                 <a:solidFill>
                   <a:srgbClr val="000000"/>
@@ -1298,7 +1298,7 @@
             <a:fld id="{ADD20E48-21D5-BD43-8B8D-F79BDA59AAEF}" type="datetime1">
               <a:rPr lang="en-US"/>
               <a:pPr/>
-              <a:t>5/16/16</a:t>
+              <a:t>5/18/2016</a:t>
             </a:fld>
             <a:endParaRPr lang="en-US"/>
           </a:p>
@@ -1318,14 +1318,14 @@
           <a:noFill/>
           <a:ln/>
           <a:extLst>
-            <a:ext uri="{909E8E84-426E-40dd-AFC4-6F175D3DCCD1}">
+            <a:ext uri="{909E8E84-426E-40DD-AFC4-6F175D3DCCD1}">
               <a14:hiddenFill xmlns:a14="http://schemas.microsoft.com/office/drawing/2010/main">
                 <a:solidFill>
                   <a:srgbClr val="FFFFFF"/>
                 </a:solidFill>
               </a14:hiddenFill>
             </a:ext>
-            <a:ext uri="{91240B29-F687-4f45-9708-019B960494DF}">
+            <a:ext uri="{91240B29-F687-4F45-9708-019B960494DF}">
               <a14:hiddenLine xmlns:a14="http://schemas.microsoft.com/office/drawing/2010/main" w="9525">
                 <a:solidFill>
                   <a:srgbClr val="000000"/>
@@ -1477,14 +1477,14 @@
           <a:noFill/>
           <a:ln/>
           <a:extLst>
-            <a:ext uri="{909E8E84-426E-40dd-AFC4-6F175D3DCCD1}">
+            <a:ext uri="{909E8E84-426E-40DD-AFC4-6F175D3DCCD1}">
               <a14:hiddenFill xmlns:a14="http://schemas.microsoft.com/office/drawing/2010/main">
                 <a:solidFill>
                   <a:srgbClr val="FFFFFF"/>
                 </a:solidFill>
               </a14:hiddenFill>
             </a:ext>
-            <a:ext uri="{91240B29-F687-4f45-9708-019B960494DF}">
+            <a:ext uri="{91240B29-F687-4F45-9708-019B960494DF}">
               <a14:hiddenLine xmlns:a14="http://schemas.microsoft.com/office/drawing/2010/main" w="9525">
                 <a:solidFill>
                   <a:srgbClr val="000000"/>
@@ -1652,14 +1652,14 @@
           <a:noFill/>
           <a:ln/>
           <a:extLst>
-            <a:ext uri="{909E8E84-426E-40dd-AFC4-6F175D3DCCD1}">
+            <a:ext uri="{909E8E84-426E-40DD-AFC4-6F175D3DCCD1}">
               <a14:hiddenFill xmlns:a14="http://schemas.microsoft.com/office/drawing/2010/main">
                 <a:solidFill>
                   <a:srgbClr val="FFFFFF"/>
                 </a:solidFill>
               </a14:hiddenFill>
             </a:ext>
-            <a:ext uri="{91240B29-F687-4f45-9708-019B960494DF}">
+            <a:ext uri="{91240B29-F687-4F45-9708-019B960494DF}">
               <a14:hiddenLine xmlns:a14="http://schemas.microsoft.com/office/drawing/2010/main" w="9525">
                 <a:solidFill>
                   <a:srgbClr val="000000"/>
@@ -1670,7 +1670,7 @@
               </a14:hiddenLine>
             </a:ext>
             <a:ext uri="{FAA26D3D-D897-4be2-8F04-BA451C77F1D7}">
-              <ma14:placeholderFlag xmlns:ma14="http://schemas.microsoft.com/office/mac/drawingml/2011/main" val="1"/>
+              <ma14:placeholderFlag xmlns:ma14="http://schemas.microsoft.com/office/mac/drawingml/2011/main" xmlns="" val="1"/>
             </a:ext>
           </a:extLst>
         </p:spPr>
@@ -1721,14 +1721,14 @@
           <a:noFill/>
           <a:ln/>
           <a:extLst>
-            <a:ext uri="{909E8E84-426E-40dd-AFC4-6F175D3DCCD1}">
+            <a:ext uri="{909E8E84-426E-40DD-AFC4-6F175D3DCCD1}">
               <a14:hiddenFill xmlns:a14="http://schemas.microsoft.com/office/drawing/2010/main">
                 <a:solidFill>
                   <a:srgbClr val="FFFFFF"/>
                 </a:solidFill>
               </a14:hiddenFill>
             </a:ext>
-            <a:ext uri="{91240B29-F687-4f45-9708-019B960494DF}">
+            <a:ext uri="{91240B29-F687-4F45-9708-019B960494DF}">
               <a14:hiddenLine xmlns:a14="http://schemas.microsoft.com/office/drawing/2010/main" w="9525">
                 <a:solidFill>
                   <a:srgbClr val="000000"/>
@@ -1862,7 +1862,7 @@
             <a:fld id="{0DEAF93C-0332-F04D-9C7B-A4166D802D5B}" type="datetime1">
               <a:rPr lang="en-US"/>
               <a:pPr/>
-              <a:t>5/16/16</a:t>
+              <a:t>5/18/2016</a:t>
             </a:fld>
             <a:endParaRPr lang="en-US"/>
           </a:p>
@@ -1882,14 +1882,14 @@
           <a:noFill/>
           <a:ln/>
           <a:extLst>
-            <a:ext uri="{909E8E84-426E-40dd-AFC4-6F175D3DCCD1}">
+            <a:ext uri="{909E8E84-426E-40DD-AFC4-6F175D3DCCD1}">
               <a14:hiddenFill xmlns:a14="http://schemas.microsoft.com/office/drawing/2010/main">
                 <a:solidFill>
                   <a:srgbClr val="FFFFFF"/>
                 </a:solidFill>
               </a14:hiddenFill>
             </a:ext>
-            <a:ext uri="{91240B29-F687-4f45-9708-019B960494DF}">
+            <a:ext uri="{91240B29-F687-4F45-9708-019B960494DF}">
               <a14:hiddenLine xmlns:a14="http://schemas.microsoft.com/office/drawing/2010/main" w="9525">
                 <a:solidFill>
                   <a:srgbClr val="000000"/>
@@ -2041,14 +2041,14 @@
           <a:noFill/>
           <a:ln/>
           <a:extLst>
-            <a:ext uri="{909E8E84-426E-40dd-AFC4-6F175D3DCCD1}">
+            <a:ext uri="{909E8E84-426E-40DD-AFC4-6F175D3DCCD1}">
               <a14:hiddenFill xmlns:a14="http://schemas.microsoft.com/office/drawing/2010/main">
                 <a:solidFill>
                   <a:srgbClr val="FFFFFF"/>
                 </a:solidFill>
               </a14:hiddenFill>
             </a:ext>
-            <a:ext uri="{91240B29-F687-4f45-9708-019B960494DF}">
+            <a:ext uri="{91240B29-F687-4F45-9708-019B960494DF}">
               <a14:hiddenLine xmlns:a14="http://schemas.microsoft.com/office/drawing/2010/main" w="9525">
                 <a:solidFill>
                   <a:srgbClr val="000000"/>
@@ -2216,14 +2216,14 @@
           <a:noFill/>
           <a:ln/>
           <a:extLst>
-            <a:ext uri="{909E8E84-426E-40dd-AFC4-6F175D3DCCD1}">
+            <a:ext uri="{909E8E84-426E-40DD-AFC4-6F175D3DCCD1}">
               <a14:hiddenFill xmlns:a14="http://schemas.microsoft.com/office/drawing/2010/main">
                 <a:solidFill>
                   <a:srgbClr val="FFFFFF"/>
                 </a:solidFill>
               </a14:hiddenFill>
             </a:ext>
-            <a:ext uri="{91240B29-F687-4f45-9708-019B960494DF}">
+            <a:ext uri="{91240B29-F687-4F45-9708-019B960494DF}">
               <a14:hiddenLine xmlns:a14="http://schemas.microsoft.com/office/drawing/2010/main" w="9525">
                 <a:solidFill>
                   <a:srgbClr val="000000"/>
@@ -2234,7 +2234,7 @@
               </a14:hiddenLine>
             </a:ext>
             <a:ext uri="{FAA26D3D-D897-4be2-8F04-BA451C77F1D7}">
-              <ma14:placeholderFlag xmlns:ma14="http://schemas.microsoft.com/office/mac/drawingml/2011/main" val="1"/>
+              <ma14:placeholderFlag xmlns:ma14="http://schemas.microsoft.com/office/mac/drawingml/2011/main" xmlns="" val="1"/>
             </a:ext>
           </a:extLst>
         </p:spPr>
@@ -2285,14 +2285,14 @@
           <a:noFill/>
           <a:ln/>
           <a:extLst>
-            <a:ext uri="{909E8E84-426E-40dd-AFC4-6F175D3DCCD1}">
+            <a:ext uri="{909E8E84-426E-40DD-AFC4-6F175D3DCCD1}">
               <a14:hiddenFill xmlns:a14="http://schemas.microsoft.com/office/drawing/2010/main">
                 <a:solidFill>
                   <a:srgbClr val="FFFFFF"/>
                 </a:solidFill>
               </a14:hiddenFill>
             </a:ext>
-            <a:ext uri="{91240B29-F687-4f45-9708-019B960494DF}">
+            <a:ext uri="{91240B29-F687-4F45-9708-019B960494DF}">
               <a14:hiddenLine xmlns:a14="http://schemas.microsoft.com/office/drawing/2010/main" w="9525">
                 <a:solidFill>
                   <a:srgbClr val="000000"/>
@@ -2426,7 +2426,7 @@
             <a:fld id="{A55096D1-02D3-9C4E-8EF9-589205CF743B}" type="datetime1">
               <a:rPr lang="en-US"/>
               <a:pPr/>
-              <a:t>5/16/16</a:t>
+              <a:t>5/18/2016</a:t>
             </a:fld>
             <a:endParaRPr lang="en-US"/>
           </a:p>
@@ -2446,14 +2446,14 @@
           <a:noFill/>
           <a:ln/>
           <a:extLst>
-            <a:ext uri="{909E8E84-426E-40dd-AFC4-6F175D3DCCD1}">
+            <a:ext uri="{909E8E84-426E-40DD-AFC4-6F175D3DCCD1}">
               <a14:hiddenFill xmlns:a14="http://schemas.microsoft.com/office/drawing/2010/main">
                 <a:solidFill>
                   <a:srgbClr val="FFFFFF"/>
                 </a:solidFill>
               </a14:hiddenFill>
             </a:ext>
-            <a:ext uri="{91240B29-F687-4f45-9708-019B960494DF}">
+            <a:ext uri="{91240B29-F687-4F45-9708-019B960494DF}">
               <a14:hiddenLine xmlns:a14="http://schemas.microsoft.com/office/drawing/2010/main" w="9525">
                 <a:solidFill>
                   <a:srgbClr val="000000"/>
@@ -2605,14 +2605,14 @@
           <a:noFill/>
           <a:ln/>
           <a:extLst>
-            <a:ext uri="{909E8E84-426E-40dd-AFC4-6F175D3DCCD1}">
+            <a:ext uri="{909E8E84-426E-40DD-AFC4-6F175D3DCCD1}">
               <a14:hiddenFill xmlns:a14="http://schemas.microsoft.com/office/drawing/2010/main">
                 <a:solidFill>
                   <a:srgbClr val="FFFFFF"/>
                 </a:solidFill>
               </a14:hiddenFill>
             </a:ext>
-            <a:ext uri="{91240B29-F687-4f45-9708-019B960494DF}">
+            <a:ext uri="{91240B29-F687-4F45-9708-019B960494DF}">
               <a14:hiddenLine xmlns:a14="http://schemas.microsoft.com/office/drawing/2010/main" w="9525">
                 <a:solidFill>
                   <a:srgbClr val="000000"/>
@@ -2780,14 +2780,14 @@
           <a:noFill/>
           <a:ln/>
           <a:extLst>
-            <a:ext uri="{909E8E84-426E-40dd-AFC4-6F175D3DCCD1}">
+            <a:ext uri="{909E8E84-426E-40DD-AFC4-6F175D3DCCD1}">
               <a14:hiddenFill xmlns:a14="http://schemas.microsoft.com/office/drawing/2010/main">
                 <a:solidFill>
                   <a:srgbClr val="FFFFFF"/>
                 </a:solidFill>
               </a14:hiddenFill>
             </a:ext>
-            <a:ext uri="{91240B29-F687-4f45-9708-019B960494DF}">
+            <a:ext uri="{91240B29-F687-4F45-9708-019B960494DF}">
               <a14:hiddenLine xmlns:a14="http://schemas.microsoft.com/office/drawing/2010/main" w="9525">
                 <a:solidFill>
                   <a:srgbClr val="000000"/>
@@ -2798,7 +2798,7 @@
               </a14:hiddenLine>
             </a:ext>
             <a:ext uri="{FAA26D3D-D897-4be2-8F04-BA451C77F1D7}">
-              <ma14:placeholderFlag xmlns:ma14="http://schemas.microsoft.com/office/mac/drawingml/2011/main" val="1"/>
+              <ma14:placeholderFlag xmlns:ma14="http://schemas.microsoft.com/office/mac/drawingml/2011/main" xmlns="" val="1"/>
             </a:ext>
           </a:extLst>
         </p:spPr>
@@ -2849,14 +2849,14 @@
           <a:noFill/>
           <a:ln/>
           <a:extLst>
-            <a:ext uri="{909E8E84-426E-40dd-AFC4-6F175D3DCCD1}">
+            <a:ext uri="{909E8E84-426E-40DD-AFC4-6F175D3DCCD1}">
               <a14:hiddenFill xmlns:a14="http://schemas.microsoft.com/office/drawing/2010/main">
                 <a:solidFill>
                   <a:srgbClr val="FFFFFF"/>
                 </a:solidFill>
               </a14:hiddenFill>
             </a:ext>
-            <a:ext uri="{91240B29-F687-4f45-9708-019B960494DF}">
+            <a:ext uri="{91240B29-F687-4F45-9708-019B960494DF}">
               <a14:hiddenLine xmlns:a14="http://schemas.microsoft.com/office/drawing/2010/main" w="9525">
                 <a:solidFill>
                   <a:srgbClr val="000000"/>
@@ -2990,7 +2990,7 @@
             <a:fld id="{E54D2D9B-B0F3-B548-A411-2270ABAB06C6}" type="datetime1">
               <a:rPr lang="en-US"/>
               <a:pPr/>
-              <a:t>5/16/16</a:t>
+              <a:t>5/18/2016</a:t>
             </a:fld>
             <a:endParaRPr lang="en-US"/>
           </a:p>
@@ -3010,14 +3010,14 @@
           <a:noFill/>
           <a:ln/>
           <a:extLst>
-            <a:ext uri="{909E8E84-426E-40dd-AFC4-6F175D3DCCD1}">
+            <a:ext uri="{909E8E84-426E-40DD-AFC4-6F175D3DCCD1}">
               <a14:hiddenFill xmlns:a14="http://schemas.microsoft.com/office/drawing/2010/main">
                 <a:solidFill>
                   <a:srgbClr val="FFFFFF"/>
                 </a:solidFill>
               </a14:hiddenFill>
             </a:ext>
-            <a:ext uri="{91240B29-F687-4f45-9708-019B960494DF}">
+            <a:ext uri="{91240B29-F687-4F45-9708-019B960494DF}">
               <a14:hiddenLine xmlns:a14="http://schemas.microsoft.com/office/drawing/2010/main" w="9525">
                 <a:solidFill>
                   <a:srgbClr val="000000"/>
@@ -3169,14 +3169,14 @@
           <a:noFill/>
           <a:ln/>
           <a:extLst>
-            <a:ext uri="{909E8E84-426E-40dd-AFC4-6F175D3DCCD1}">
+            <a:ext uri="{909E8E84-426E-40DD-AFC4-6F175D3DCCD1}">
               <a14:hiddenFill xmlns:a14="http://schemas.microsoft.com/office/drawing/2010/main">
                 <a:solidFill>
                   <a:srgbClr val="FFFFFF"/>
                 </a:solidFill>
               </a14:hiddenFill>
             </a:ext>
-            <a:ext uri="{91240B29-F687-4f45-9708-019B960494DF}">
+            <a:ext uri="{91240B29-F687-4F45-9708-019B960494DF}">
               <a14:hiddenLine xmlns:a14="http://schemas.microsoft.com/office/drawing/2010/main" w="9525">
                 <a:solidFill>
                   <a:srgbClr val="000000"/>
@@ -3344,14 +3344,14 @@
           <a:noFill/>
           <a:ln/>
           <a:extLst>
-            <a:ext uri="{909E8E84-426E-40dd-AFC4-6F175D3DCCD1}">
+            <a:ext uri="{909E8E84-426E-40DD-AFC4-6F175D3DCCD1}">
               <a14:hiddenFill xmlns:a14="http://schemas.microsoft.com/office/drawing/2010/main">
                 <a:solidFill>
                   <a:srgbClr val="FFFFFF"/>
                 </a:solidFill>
               </a14:hiddenFill>
             </a:ext>
-            <a:ext uri="{91240B29-F687-4f45-9708-019B960494DF}">
+            <a:ext uri="{91240B29-F687-4F45-9708-019B960494DF}">
               <a14:hiddenLine xmlns:a14="http://schemas.microsoft.com/office/drawing/2010/main" w="9525">
                 <a:solidFill>
                   <a:srgbClr val="000000"/>
@@ -3362,7 +3362,7 @@
               </a14:hiddenLine>
             </a:ext>
             <a:ext uri="{FAA26D3D-D897-4be2-8F04-BA451C77F1D7}">
-              <ma14:placeholderFlag xmlns:ma14="http://schemas.microsoft.com/office/mac/drawingml/2011/main" val="1"/>
+              <ma14:placeholderFlag xmlns:ma14="http://schemas.microsoft.com/office/mac/drawingml/2011/main" xmlns="" val="1"/>
             </a:ext>
           </a:extLst>
         </p:spPr>
@@ -3413,14 +3413,14 @@
           <a:noFill/>
           <a:ln/>
           <a:extLst>
-            <a:ext uri="{909E8E84-426E-40dd-AFC4-6F175D3DCCD1}">
+            <a:ext uri="{909E8E84-426E-40DD-AFC4-6F175D3DCCD1}">
               <a14:hiddenFill xmlns:a14="http://schemas.microsoft.com/office/drawing/2010/main">
                 <a:solidFill>
                   <a:srgbClr val="FFFFFF"/>
                 </a:solidFill>
               </a14:hiddenFill>
             </a:ext>
-            <a:ext uri="{91240B29-F687-4f45-9708-019B960494DF}">
+            <a:ext uri="{91240B29-F687-4F45-9708-019B960494DF}">
               <a14:hiddenLine xmlns:a14="http://schemas.microsoft.com/office/drawing/2010/main" w="9525">
                 <a:solidFill>
                   <a:srgbClr val="000000"/>
@@ -3554,7 +3554,7 @@
             <a:fld id="{534291ED-09FB-F546-A9D5-F1DC509162BC}" type="datetime1">
               <a:rPr lang="en-US"/>
               <a:pPr/>
-              <a:t>5/16/16</a:t>
+              <a:t>5/18/2016</a:t>
             </a:fld>
             <a:endParaRPr lang="en-US"/>
           </a:p>
@@ -3574,14 +3574,14 @@
           <a:noFill/>
           <a:ln/>
           <a:extLst>
-            <a:ext uri="{909E8E84-426E-40dd-AFC4-6F175D3DCCD1}">
+            <a:ext uri="{909E8E84-426E-40DD-AFC4-6F175D3DCCD1}">
               <a14:hiddenFill xmlns:a14="http://schemas.microsoft.com/office/drawing/2010/main">
                 <a:solidFill>
                   <a:srgbClr val="FFFFFF"/>
                 </a:solidFill>
               </a14:hiddenFill>
             </a:ext>
-            <a:ext uri="{91240B29-F687-4f45-9708-019B960494DF}">
+            <a:ext uri="{91240B29-F687-4F45-9708-019B960494DF}">
               <a14:hiddenLine xmlns:a14="http://schemas.microsoft.com/office/drawing/2010/main" w="9525">
                 <a:solidFill>
                   <a:srgbClr val="000000"/>
@@ -3733,14 +3733,14 @@
           <a:noFill/>
           <a:ln/>
           <a:extLst>
-            <a:ext uri="{909E8E84-426E-40dd-AFC4-6F175D3DCCD1}">
+            <a:ext uri="{909E8E84-426E-40DD-AFC4-6F175D3DCCD1}">
               <a14:hiddenFill xmlns:a14="http://schemas.microsoft.com/office/drawing/2010/main">
                 <a:solidFill>
                   <a:srgbClr val="FFFFFF"/>
                 </a:solidFill>
               </a14:hiddenFill>
             </a:ext>
-            <a:ext uri="{91240B29-F687-4f45-9708-019B960494DF}">
+            <a:ext uri="{91240B29-F687-4F45-9708-019B960494DF}">
               <a14:hiddenLine xmlns:a14="http://schemas.microsoft.com/office/drawing/2010/main" w="9525">
                 <a:solidFill>
                   <a:srgbClr val="000000"/>
@@ -3908,14 +3908,14 @@
           <a:noFill/>
           <a:ln/>
           <a:extLst>
-            <a:ext uri="{909E8E84-426E-40dd-AFC4-6F175D3DCCD1}">
+            <a:ext uri="{909E8E84-426E-40DD-AFC4-6F175D3DCCD1}">
               <a14:hiddenFill xmlns:a14="http://schemas.microsoft.com/office/drawing/2010/main">
                 <a:solidFill>
                   <a:srgbClr val="FFFFFF"/>
                 </a:solidFill>
               </a14:hiddenFill>
             </a:ext>
-            <a:ext uri="{91240B29-F687-4f45-9708-019B960494DF}">
+            <a:ext uri="{91240B29-F687-4F45-9708-019B960494DF}">
               <a14:hiddenLine xmlns:a14="http://schemas.microsoft.com/office/drawing/2010/main" w="9525">
                 <a:solidFill>
                   <a:srgbClr val="000000"/>
@@ -3926,7 +3926,7 @@
               </a14:hiddenLine>
             </a:ext>
             <a:ext uri="{FAA26D3D-D897-4be2-8F04-BA451C77F1D7}">
-              <ma14:placeholderFlag xmlns:ma14="http://schemas.microsoft.com/office/mac/drawingml/2011/main" val="1"/>
+              <ma14:placeholderFlag xmlns:ma14="http://schemas.microsoft.com/office/mac/drawingml/2011/main" xmlns="" val="1"/>
             </a:ext>
           </a:extLst>
         </p:spPr>
@@ -3977,14 +3977,14 @@
           <a:noFill/>
           <a:ln/>
           <a:extLst>
-            <a:ext uri="{909E8E84-426E-40dd-AFC4-6F175D3DCCD1}">
+            <a:ext uri="{909E8E84-426E-40DD-AFC4-6F175D3DCCD1}">
               <a14:hiddenFill xmlns:a14="http://schemas.microsoft.com/office/drawing/2010/main">
                 <a:solidFill>
                   <a:srgbClr val="FFFFFF"/>
                 </a:solidFill>
               </a14:hiddenFill>
             </a:ext>
-            <a:ext uri="{91240B29-F687-4f45-9708-019B960494DF}">
+            <a:ext uri="{91240B29-F687-4F45-9708-019B960494DF}">
               <a14:hiddenLine xmlns:a14="http://schemas.microsoft.com/office/drawing/2010/main" w="9525">
                 <a:solidFill>
                   <a:srgbClr val="000000"/>
@@ -4118,7 +4118,7 @@
             <a:fld id="{7AEA264A-C0D5-1645-8C93-47BF847522DC}" type="datetime1">
               <a:rPr lang="en-US"/>
               <a:pPr/>
-              <a:t>5/16/16</a:t>
+              <a:t>5/18/2016</a:t>
             </a:fld>
             <a:endParaRPr lang="en-US"/>
           </a:p>
@@ -4138,14 +4138,14 @@
           <a:noFill/>
           <a:ln/>
           <a:extLst>
-            <a:ext uri="{909E8E84-426E-40dd-AFC4-6F175D3DCCD1}">
+            <a:ext uri="{909E8E84-426E-40DD-AFC4-6F175D3DCCD1}">
               <a14:hiddenFill xmlns:a14="http://schemas.microsoft.com/office/drawing/2010/main">
                 <a:solidFill>
                   <a:srgbClr val="FFFFFF"/>
                 </a:solidFill>
               </a14:hiddenFill>
             </a:ext>
-            <a:ext uri="{91240B29-F687-4f45-9708-019B960494DF}">
+            <a:ext uri="{91240B29-F687-4F45-9708-019B960494DF}">
               <a14:hiddenLine xmlns:a14="http://schemas.microsoft.com/office/drawing/2010/main" w="9525">
                 <a:solidFill>
                   <a:srgbClr val="000000"/>
@@ -4297,14 +4297,14 @@
           <a:noFill/>
           <a:ln/>
           <a:extLst>
-            <a:ext uri="{909E8E84-426E-40dd-AFC4-6F175D3DCCD1}">
+            <a:ext uri="{909E8E84-426E-40DD-AFC4-6F175D3DCCD1}">
               <a14:hiddenFill xmlns:a14="http://schemas.microsoft.com/office/drawing/2010/main">
                 <a:solidFill>
                   <a:srgbClr val="FFFFFF"/>
                 </a:solidFill>
               </a14:hiddenFill>
             </a:ext>
-            <a:ext uri="{91240B29-F687-4f45-9708-019B960494DF}">
+            <a:ext uri="{91240B29-F687-4F45-9708-019B960494DF}">
               <a14:hiddenLine xmlns:a14="http://schemas.microsoft.com/office/drawing/2010/main" w="9525">
                 <a:solidFill>
                   <a:srgbClr val="000000"/>
@@ -4472,14 +4472,14 @@
           <a:noFill/>
           <a:ln/>
           <a:extLst>
-            <a:ext uri="{909E8E84-426E-40dd-AFC4-6F175D3DCCD1}">
+            <a:ext uri="{909E8E84-426E-40DD-AFC4-6F175D3DCCD1}">
               <a14:hiddenFill xmlns:a14="http://schemas.microsoft.com/office/drawing/2010/main">
                 <a:solidFill>
                   <a:srgbClr val="FFFFFF"/>
                 </a:solidFill>
               </a14:hiddenFill>
             </a:ext>
-            <a:ext uri="{91240B29-F687-4f45-9708-019B960494DF}">
+            <a:ext uri="{91240B29-F687-4F45-9708-019B960494DF}">
               <a14:hiddenLine xmlns:a14="http://schemas.microsoft.com/office/drawing/2010/main" w="9525">
                 <a:solidFill>
                   <a:srgbClr val="000000"/>
@@ -4490,7 +4490,7 @@
               </a14:hiddenLine>
             </a:ext>
             <a:ext uri="{FAA26D3D-D897-4be2-8F04-BA451C77F1D7}">
-              <ma14:placeholderFlag xmlns:ma14="http://schemas.microsoft.com/office/mac/drawingml/2011/main" val="1"/>
+              <ma14:placeholderFlag xmlns:ma14="http://schemas.microsoft.com/office/mac/drawingml/2011/main" xmlns="" val="1"/>
             </a:ext>
           </a:extLst>
         </p:spPr>
@@ -4541,14 +4541,14 @@
           <a:noFill/>
           <a:ln/>
           <a:extLst>
-            <a:ext uri="{909E8E84-426E-40dd-AFC4-6F175D3DCCD1}">
+            <a:ext uri="{909E8E84-426E-40DD-AFC4-6F175D3DCCD1}">
               <a14:hiddenFill xmlns:a14="http://schemas.microsoft.com/office/drawing/2010/main">
                 <a:solidFill>
                   <a:srgbClr val="FFFFFF"/>
                 </a:solidFill>
               </a14:hiddenFill>
             </a:ext>
-            <a:ext uri="{91240B29-F687-4f45-9708-019B960494DF}">
+            <a:ext uri="{91240B29-F687-4F45-9708-019B960494DF}">
               <a14:hiddenLine xmlns:a14="http://schemas.microsoft.com/office/drawing/2010/main" w="9525">
                 <a:solidFill>
                   <a:srgbClr val="000000"/>
@@ -4682,7 +4682,7 @@
             <a:fld id="{B9193EF1-3A73-1C41-B57E-6101610D879B}" type="datetime1">
               <a:rPr lang="en-US"/>
               <a:pPr/>
-              <a:t>5/16/16</a:t>
+              <a:t>5/18/2016</a:t>
             </a:fld>
             <a:endParaRPr lang="en-US"/>
           </a:p>
@@ -4702,14 +4702,14 @@
           <a:noFill/>
           <a:ln/>
           <a:extLst>
-            <a:ext uri="{909E8E84-426E-40dd-AFC4-6F175D3DCCD1}">
+            <a:ext uri="{909E8E84-426E-40DD-AFC4-6F175D3DCCD1}">
               <a14:hiddenFill xmlns:a14="http://schemas.microsoft.com/office/drawing/2010/main">
                 <a:solidFill>
                   <a:srgbClr val="FFFFFF"/>
                 </a:solidFill>
               </a14:hiddenFill>
             </a:ext>
-            <a:ext uri="{91240B29-F687-4f45-9708-019B960494DF}">
+            <a:ext uri="{91240B29-F687-4F45-9708-019B960494DF}">
               <a14:hiddenLine xmlns:a14="http://schemas.microsoft.com/office/drawing/2010/main" w="9525">
                 <a:solidFill>
                   <a:srgbClr val="000000"/>
@@ -4861,14 +4861,14 @@
           <a:noFill/>
           <a:ln/>
           <a:extLst>
-            <a:ext uri="{909E8E84-426E-40dd-AFC4-6F175D3DCCD1}">
+            <a:ext uri="{909E8E84-426E-40DD-AFC4-6F175D3DCCD1}">
               <a14:hiddenFill xmlns:a14="http://schemas.microsoft.com/office/drawing/2010/main">
                 <a:solidFill>
                   <a:srgbClr val="FFFFFF"/>
                 </a:solidFill>
               </a14:hiddenFill>
             </a:ext>
-            <a:ext uri="{91240B29-F687-4f45-9708-019B960494DF}">
+            <a:ext uri="{91240B29-F687-4F45-9708-019B960494DF}">
               <a14:hiddenLine xmlns:a14="http://schemas.microsoft.com/office/drawing/2010/main" w="9525">
                 <a:solidFill>
                   <a:srgbClr val="000000"/>
@@ -5036,14 +5036,14 @@
           <a:noFill/>
           <a:ln/>
           <a:extLst>
-            <a:ext uri="{909E8E84-426E-40dd-AFC4-6F175D3DCCD1}">
+            <a:ext uri="{909E8E84-426E-40DD-AFC4-6F175D3DCCD1}">
               <a14:hiddenFill xmlns:a14="http://schemas.microsoft.com/office/drawing/2010/main">
                 <a:solidFill>
                   <a:srgbClr val="FFFFFF"/>
                 </a:solidFill>
               </a14:hiddenFill>
             </a:ext>
-            <a:ext uri="{91240B29-F687-4f45-9708-019B960494DF}">
+            <a:ext uri="{91240B29-F687-4F45-9708-019B960494DF}">
               <a14:hiddenLine xmlns:a14="http://schemas.microsoft.com/office/drawing/2010/main" w="9525">
                 <a:solidFill>
                   <a:srgbClr val="000000"/>
@@ -5054,7 +5054,7 @@
               </a14:hiddenLine>
             </a:ext>
             <a:ext uri="{FAA26D3D-D897-4be2-8F04-BA451C77F1D7}">
-              <ma14:placeholderFlag xmlns:ma14="http://schemas.microsoft.com/office/mac/drawingml/2011/main" val="1"/>
+              <ma14:placeholderFlag xmlns:ma14="http://schemas.microsoft.com/office/mac/drawingml/2011/main" xmlns="" val="1"/>
             </a:ext>
           </a:extLst>
         </p:spPr>
@@ -5105,14 +5105,14 @@
           <a:noFill/>
           <a:ln/>
           <a:extLst>
-            <a:ext uri="{909E8E84-426E-40dd-AFC4-6F175D3DCCD1}">
+            <a:ext uri="{909E8E84-426E-40DD-AFC4-6F175D3DCCD1}">
               <a14:hiddenFill xmlns:a14="http://schemas.microsoft.com/office/drawing/2010/main">
                 <a:solidFill>
                   <a:srgbClr val="FFFFFF"/>
                 </a:solidFill>
               </a14:hiddenFill>
             </a:ext>
-            <a:ext uri="{91240B29-F687-4f45-9708-019B960494DF}">
+            <a:ext uri="{91240B29-F687-4F45-9708-019B960494DF}">
               <a14:hiddenLine xmlns:a14="http://schemas.microsoft.com/office/drawing/2010/main" w="9525">
                 <a:solidFill>
                   <a:srgbClr val="000000"/>
@@ -5246,7 +5246,7 @@
             <a:fld id="{D4056121-04F8-BF4E-8AC2-18F650BC8FCA}" type="datetime1">
               <a:rPr lang="en-US"/>
               <a:pPr/>
-              <a:t>5/16/16</a:t>
+              <a:t>5/18/2016</a:t>
             </a:fld>
             <a:endParaRPr lang="en-US"/>
           </a:p>
@@ -5266,14 +5266,14 @@
           <a:noFill/>
           <a:ln/>
           <a:extLst>
-            <a:ext uri="{909E8E84-426E-40dd-AFC4-6F175D3DCCD1}">
+            <a:ext uri="{909E8E84-426E-40DD-AFC4-6F175D3DCCD1}">
               <a14:hiddenFill xmlns:a14="http://schemas.microsoft.com/office/drawing/2010/main">
                 <a:solidFill>
                   <a:srgbClr val="FFFFFF"/>
                 </a:solidFill>
               </a14:hiddenFill>
             </a:ext>
-            <a:ext uri="{91240B29-F687-4f45-9708-019B960494DF}">
+            <a:ext uri="{91240B29-F687-4F45-9708-019B960494DF}">
               <a14:hiddenLine xmlns:a14="http://schemas.microsoft.com/office/drawing/2010/main" w="9525">
                 <a:solidFill>
                   <a:srgbClr val="000000"/>
@@ -5425,14 +5425,14 @@
           <a:noFill/>
           <a:ln/>
           <a:extLst>
-            <a:ext uri="{909E8E84-426E-40dd-AFC4-6F175D3DCCD1}">
+            <a:ext uri="{909E8E84-426E-40DD-AFC4-6F175D3DCCD1}">
               <a14:hiddenFill xmlns:a14="http://schemas.microsoft.com/office/drawing/2010/main">
                 <a:solidFill>
                   <a:srgbClr val="FFFFFF"/>
                 </a:solidFill>
               </a14:hiddenFill>
             </a:ext>
-            <a:ext uri="{91240B29-F687-4f45-9708-019B960494DF}">
+            <a:ext uri="{91240B29-F687-4F45-9708-019B960494DF}">
               <a14:hiddenLine xmlns:a14="http://schemas.microsoft.com/office/drawing/2010/main" w="9525">
                 <a:solidFill>
                   <a:srgbClr val="000000"/>
@@ -5618,7 +5618,7 @@
           </a:ln>
           <a:extLst>
             <a:ext uri="{FAA26D3D-D897-4be2-8F04-BA451C77F1D7}">
-              <ma14:placeholderFlag xmlns:ma14="http://schemas.microsoft.com/office/mac/drawingml/2011/main" val="1"/>
+              <ma14:placeholderFlag xmlns:ma14="http://schemas.microsoft.com/office/mac/drawingml/2011/main" xmlns="" val="1"/>
             </a:ext>
           </a:extLst>
         </p:spPr>
@@ -5669,14 +5669,14 @@
           <a:noFill/>
           <a:ln/>
           <a:extLst>
-            <a:ext uri="{909E8E84-426E-40dd-AFC4-6F175D3DCCD1}">
+            <a:ext uri="{909E8E84-426E-40DD-AFC4-6F175D3DCCD1}">
               <a14:hiddenFill xmlns:a14="http://schemas.microsoft.com/office/drawing/2010/main">
                 <a:solidFill>
                   <a:srgbClr val="FFFFFF"/>
                 </a:solidFill>
               </a14:hiddenFill>
             </a:ext>
-            <a:ext uri="{91240B29-F687-4f45-9708-019B960494DF}">
+            <a:ext uri="{91240B29-F687-4F45-9708-019B960494DF}">
               <a14:hiddenLine xmlns:a14="http://schemas.microsoft.com/office/drawing/2010/main" w="9525">
                 <a:solidFill>
                   <a:srgbClr val="000000"/>
@@ -5810,7 +5810,7 @@
             <a:fld id="{0497D933-93CD-4643-B01C-0C8158723276}" type="datetime1">
               <a:rPr lang="en-US"/>
               <a:pPr/>
-              <a:t>5/16/16</a:t>
+              <a:t>5/18/2016</a:t>
             </a:fld>
             <a:endParaRPr lang="en-US"/>
           </a:p>
@@ -5830,14 +5830,14 @@
           <a:noFill/>
           <a:ln/>
           <a:extLst>
-            <a:ext uri="{909E8E84-426E-40dd-AFC4-6F175D3DCCD1}">
+            <a:ext uri="{909E8E84-426E-40DD-AFC4-6F175D3DCCD1}">
               <a14:hiddenFill xmlns:a14="http://schemas.microsoft.com/office/drawing/2010/main">
                 <a:solidFill>
                   <a:srgbClr val="FFFFFF"/>
                 </a:solidFill>
               </a14:hiddenFill>
             </a:ext>
-            <a:ext uri="{91240B29-F687-4f45-9708-019B960494DF}">
+            <a:ext uri="{91240B29-F687-4F45-9708-019B960494DF}">
               <a14:hiddenLine xmlns:a14="http://schemas.microsoft.com/office/drawing/2010/main" w="9525">
                 <a:solidFill>
                   <a:srgbClr val="000000"/>
@@ -5989,14 +5989,14 @@
           <a:noFill/>
           <a:ln/>
           <a:extLst>
-            <a:ext uri="{909E8E84-426E-40dd-AFC4-6F175D3DCCD1}">
+            <a:ext uri="{909E8E84-426E-40DD-AFC4-6F175D3DCCD1}">
               <a14:hiddenFill xmlns:a14="http://schemas.microsoft.com/office/drawing/2010/main">
                 <a:solidFill>
                   <a:srgbClr val="FFFFFF"/>
                 </a:solidFill>
               </a14:hiddenFill>
             </a:ext>
-            <a:ext uri="{91240B29-F687-4f45-9708-019B960494DF}">
+            <a:ext uri="{91240B29-F687-4F45-9708-019B960494DF}">
               <a14:hiddenLine xmlns:a14="http://schemas.microsoft.com/office/drawing/2010/main" w="9525">
                 <a:solidFill>
                   <a:srgbClr val="000000"/>
@@ -6164,14 +6164,14 @@
           <a:noFill/>
           <a:ln/>
           <a:extLst>
-            <a:ext uri="{909E8E84-426E-40dd-AFC4-6F175D3DCCD1}">
+            <a:ext uri="{909E8E84-426E-40DD-AFC4-6F175D3DCCD1}">
               <a14:hiddenFill xmlns:a14="http://schemas.microsoft.com/office/drawing/2010/main">
                 <a:solidFill>
                   <a:srgbClr val="FFFFFF"/>
                 </a:solidFill>
               </a14:hiddenFill>
             </a:ext>
-            <a:ext uri="{91240B29-F687-4f45-9708-019B960494DF}">
+            <a:ext uri="{91240B29-F687-4F45-9708-019B960494DF}">
               <a14:hiddenLine xmlns:a14="http://schemas.microsoft.com/office/drawing/2010/main" w="9525">
                 <a:solidFill>
                   <a:srgbClr val="000000"/>
@@ -6182,7 +6182,7 @@
               </a14:hiddenLine>
             </a:ext>
             <a:ext uri="{FAA26D3D-D897-4be2-8F04-BA451C77F1D7}">
-              <ma14:placeholderFlag xmlns:ma14="http://schemas.microsoft.com/office/mac/drawingml/2011/main" val="1"/>
+              <ma14:placeholderFlag xmlns:ma14="http://schemas.microsoft.com/office/mac/drawingml/2011/main" xmlns="" val="1"/>
             </a:ext>
           </a:extLst>
         </p:spPr>
@@ -6283,7 +6283,7 @@
             <a:tailEnd/>
           </a:ln>
           <a:extLst>
-            <a:ext uri="{909E8E84-426E-40dd-AFC4-6F175D3DCCD1}">
+            <a:ext uri="{909E8E84-426E-40DD-AFC4-6F175D3DCCD1}">
               <a14:hiddenFill xmlns:a14="http://schemas.microsoft.com/office/drawing/2010/main">
                 <a:solidFill>
                   <a:srgbClr val="FFFFFF"/>
@@ -6326,7 +6326,7 @@
             <a:tailEnd/>
           </a:ln>
           <a:extLst>
-            <a:ext uri="{909E8E84-426E-40dd-AFC4-6F175D3DCCD1}">
+            <a:ext uri="{909E8E84-426E-40DD-AFC4-6F175D3DCCD1}">
               <a14:hiddenFill xmlns:a14="http://schemas.microsoft.com/office/drawing/2010/main">
                 <a:noFill/>
               </a14:hiddenFill>
@@ -6424,9 +6424,9 @@
             </a:lvl1pPr>
           </a:lstStyle>
           <a:p>
-            <a:fld id="{BBDD11D4-4F7D-1F4B-AA8D-B03C9E37044B}" type="datetime1">
+            <a:fld id="{60A1E485-2130-4DD1-B87C-F7C797A20754}" type="datetime1">
               <a:rPr lang="en-US" smtClean="0"/>
-              <a:t>5/16/16</a:t>
+              <a:t>5/18/2016</a:t>
             </a:fld>
             <a:endParaRPr lang="en-US"/>
           </a:p>
@@ -6460,9 +6460,10 @@
               <a:defRPr/>
             </a:pPr>
             <a:r>
-              <a:rPr lang="en-US" altLang="en-US"/>
-              <a:t>Microprocessors I:  Lecture 4</a:t>
-            </a:r>
+              <a:rPr lang="en-US" altLang="en-US" smtClean="0"/>
+              <a:t>Microprocessors I:  Lecture 2</a:t>
+            </a:r>
+            <a:endParaRPr lang="en-US" altLang="en-US"/>
           </a:p>
         </p:txBody>
       </p:sp>
@@ -6620,9 +6621,9 @@
             </a:lvl1pPr>
           </a:lstStyle>
           <a:p>
-            <a:fld id="{F9597AFA-3690-D345-A779-3C03664975AE}" type="datetime1">
+            <a:fld id="{2DD655AF-7A0C-4A46-8EAC-67EB27B36D4B}" type="datetime1">
               <a:rPr lang="en-US" smtClean="0"/>
-              <a:t>5/16/16</a:t>
+              <a:t>5/18/2016</a:t>
             </a:fld>
             <a:endParaRPr lang="en-US"/>
           </a:p>
@@ -6653,9 +6654,10 @@
               <a:defRPr/>
             </a:pPr>
             <a:r>
-              <a:rPr lang="en-US" altLang="en-US"/>
-              <a:t>Microprocessors I:  Lecture 4</a:t>
-            </a:r>
+              <a:rPr lang="en-US" altLang="en-US" smtClean="0"/>
+              <a:t>Microprocessors I:  Lecture 2</a:t>
+            </a:r>
+            <a:endParaRPr lang="en-US" altLang="en-US"/>
           </a:p>
         </p:txBody>
       </p:sp>
@@ -6825,9 +6827,9 @@
             </a:lvl1pPr>
           </a:lstStyle>
           <a:p>
-            <a:fld id="{79964BE0-FFBF-2C43-A9EA-D29F4F159939}" type="datetime1">
+            <a:fld id="{2B0A02C9-4F37-4D64-BEF4-C1C7721C653A}" type="datetime1">
               <a:rPr lang="en-US" smtClean="0"/>
-              <a:t>5/16/16</a:t>
+              <a:t>5/18/2016</a:t>
             </a:fld>
             <a:endParaRPr lang="en-US"/>
           </a:p>
@@ -6858,9 +6860,10 @@
               <a:defRPr/>
             </a:pPr>
             <a:r>
-              <a:rPr lang="en-US" altLang="en-US"/>
-              <a:t>Microprocessors I:  Lecture 4</a:t>
-            </a:r>
+              <a:rPr lang="en-US" altLang="en-US" smtClean="0"/>
+              <a:t>Microprocessors I:  Lecture 2</a:t>
+            </a:r>
+            <a:endParaRPr lang="en-US" altLang="en-US"/>
           </a:p>
         </p:txBody>
       </p:sp>
@@ -7087,9 +7090,9 @@
             </a:lvl1pPr>
           </a:lstStyle>
           <a:p>
-            <a:fld id="{8FF2E494-5A61-714B-A143-32BC8B1F49D1}" type="datetime1">
+            <a:fld id="{F42DED15-FE62-480F-BE85-9559CF827D26}" type="datetime1">
               <a:rPr lang="en-US" smtClean="0"/>
-              <a:t>5/16/16</a:t>
+              <a:t>5/18/2016</a:t>
             </a:fld>
             <a:endParaRPr lang="en-US"/>
           </a:p>
@@ -7120,9 +7123,10 @@
               <a:defRPr/>
             </a:pPr>
             <a:r>
-              <a:rPr lang="en-US" altLang="en-US"/>
-              <a:t>Microprocessors I:  Lecture 4</a:t>
-            </a:r>
+              <a:rPr lang="en-US" altLang="en-US" smtClean="0"/>
+              <a:t>Microprocessors I:  Lecture 2</a:t>
+            </a:r>
+            <a:endParaRPr lang="en-US" altLang="en-US"/>
           </a:p>
         </p:txBody>
       </p:sp>
@@ -7349,9 +7353,9 @@
             </a:lvl1pPr>
           </a:lstStyle>
           <a:p>
-            <a:fld id="{DA889D23-8781-CF42-909E-FF56B2810519}" type="datetime1">
+            <a:fld id="{7C7544D4-00A5-4D80-9B7E-A69801B99A77}" type="datetime1">
               <a:rPr lang="en-US" smtClean="0"/>
-              <a:t>5/16/16</a:t>
+              <a:t>5/18/2016</a:t>
             </a:fld>
             <a:endParaRPr lang="en-US"/>
           </a:p>
@@ -7382,9 +7386,10 @@
               <a:defRPr/>
             </a:pPr>
             <a:r>
-              <a:rPr lang="en-US" altLang="en-US"/>
-              <a:t>Microprocessors I:  Lecture 4</a:t>
-            </a:r>
+              <a:rPr lang="en-US" altLang="en-US" smtClean="0"/>
+              <a:t>Microprocessors I:  Lecture 2</a:t>
+            </a:r>
+            <a:endParaRPr lang="en-US" altLang="en-US"/>
           </a:p>
         </p:txBody>
       </p:sp>
@@ -7544,9 +7549,9 @@
             </a:lvl1pPr>
           </a:lstStyle>
           <a:p>
-            <a:fld id="{4AE5121B-2D64-C345-BB01-7013B6E5BC0B}" type="datetime1">
+            <a:fld id="{01F8F6A9-6A1B-481C-92C2-C76146ECA1A1}" type="datetime1">
               <a:rPr lang="en-US" smtClean="0"/>
-              <a:t>5/16/16</a:t>
+              <a:t>5/18/2016</a:t>
             </a:fld>
             <a:endParaRPr lang="en-US"/>
           </a:p>
@@ -7577,9 +7582,10 @@
               <a:defRPr/>
             </a:pPr>
             <a:r>
-              <a:rPr lang="en-US" altLang="en-US"/>
-              <a:t>Microprocessors I:  Lecture 4</a:t>
-            </a:r>
+              <a:rPr lang="en-US" altLang="en-US" smtClean="0"/>
+              <a:t>Microprocessors I:  Lecture 2</a:t>
+            </a:r>
+            <a:endParaRPr lang="en-US" altLang="en-US"/>
           </a:p>
         </p:txBody>
       </p:sp>
@@ -7761,9 +7767,9 @@
             </a:lvl1pPr>
           </a:lstStyle>
           <a:p>
-            <a:fld id="{8B90A4D6-0E49-8242-A8CE-63059DF7E7C9}" type="datetime1">
+            <a:fld id="{E7DE7E10-0105-41DD-BBAA-F9C2BF79F53D}" type="datetime1">
               <a:rPr lang="en-US" smtClean="0"/>
-              <a:t>5/16/16</a:t>
+              <a:t>5/18/2016</a:t>
             </a:fld>
             <a:endParaRPr lang="en-US"/>
           </a:p>
@@ -7794,9 +7800,10 @@
               <a:defRPr/>
             </a:pPr>
             <a:r>
-              <a:rPr lang="en-US" altLang="en-US"/>
-              <a:t>Microprocessors I:  Lecture 4</a:t>
-            </a:r>
+              <a:rPr lang="en-US" altLang="en-US" smtClean="0"/>
+              <a:t>Microprocessors I:  Lecture 2</a:t>
+            </a:r>
+            <a:endParaRPr lang="en-US" altLang="en-US"/>
           </a:p>
         </p:txBody>
       </p:sp>
@@ -8074,9 +8081,9 @@
             </a:lvl1pPr>
           </a:lstStyle>
           <a:p>
-            <a:fld id="{401B393B-C192-ED4A-B8B9-C7066B2036DC}" type="datetime1">
+            <a:fld id="{5C236AE4-146D-4EDE-AFBA-271F09D220B2}" type="datetime1">
               <a:rPr lang="en-US" smtClean="0"/>
-              <a:t>5/16/16</a:t>
+              <a:t>5/18/2016</a:t>
             </a:fld>
             <a:endParaRPr lang="en-US"/>
           </a:p>
@@ -8107,9 +8114,10 @@
               <a:defRPr/>
             </a:pPr>
             <a:r>
-              <a:rPr lang="en-US" altLang="en-US"/>
-              <a:t>Microprocessors I:  Lecture 4</a:t>
-            </a:r>
+              <a:rPr lang="en-US" altLang="en-US" smtClean="0"/>
+              <a:t>Microprocessors I:  Lecture 2</a:t>
+            </a:r>
+            <a:endParaRPr lang="en-US" altLang="en-US"/>
           </a:p>
         </p:txBody>
       </p:sp>
@@ -8526,9 +8534,9 @@
             </a:lvl1pPr>
           </a:lstStyle>
           <a:p>
-            <a:fld id="{2EB83DB9-22F5-014D-8A4E-190D33403895}" type="datetime1">
+            <a:fld id="{B184FA2A-040B-4900-B0AC-702DBA4CE38D}" type="datetime1">
               <a:rPr lang="en-US" smtClean="0"/>
-              <a:t>5/16/16</a:t>
+              <a:t>5/18/2016</a:t>
             </a:fld>
             <a:endParaRPr lang="en-US"/>
           </a:p>
@@ -8559,9 +8567,10 @@
               <a:defRPr/>
             </a:pPr>
             <a:r>
-              <a:rPr lang="en-US" altLang="en-US"/>
-              <a:t>Microprocessors I:  Lecture 4</a:t>
-            </a:r>
+              <a:rPr lang="en-US" altLang="en-US" smtClean="0"/>
+              <a:t>Microprocessors I:  Lecture 2</a:t>
+            </a:r>
+            <a:endParaRPr lang="en-US" altLang="en-US"/>
           </a:p>
         </p:txBody>
       </p:sp>
@@ -8669,9 +8678,9 @@
             </a:lvl1pPr>
           </a:lstStyle>
           <a:p>
-            <a:fld id="{2F72D555-873F-EC4A-A36A-9B2132ACDC72}" type="datetime1">
+            <a:fld id="{2856F079-A14D-4360-8077-4AB5DE52A6C2}" type="datetime1">
               <a:rPr lang="en-US" smtClean="0"/>
-              <a:t>5/16/16</a:t>
+              <a:t>5/18/2016</a:t>
             </a:fld>
             <a:endParaRPr lang="en-US"/>
           </a:p>
@@ -8702,9 +8711,10 @@
               <a:defRPr/>
             </a:pPr>
             <a:r>
-              <a:rPr lang="en-US" altLang="en-US"/>
-              <a:t>Microprocessors I:  Lecture 4</a:t>
-            </a:r>
+              <a:rPr lang="en-US" altLang="en-US" smtClean="0"/>
+              <a:t>Microprocessors I:  Lecture 2</a:t>
+            </a:r>
+            <a:endParaRPr lang="en-US" altLang="en-US"/>
           </a:p>
         </p:txBody>
       </p:sp>
@@ -8789,9 +8799,9 @@
             </a:lvl1pPr>
           </a:lstStyle>
           <a:p>
-            <a:fld id="{CABCCED2-2D44-0A4E-BE61-D5552D6DB3B8}" type="datetime1">
+            <a:fld id="{79A4BCD7-A551-44CC-BE3F-6ACF570306CC}" type="datetime1">
               <a:rPr lang="en-US" smtClean="0"/>
-              <a:t>5/16/16</a:t>
+              <a:t>5/18/2016</a:t>
             </a:fld>
             <a:endParaRPr lang="en-US"/>
           </a:p>
@@ -8822,9 +8832,10 @@
               <a:defRPr/>
             </a:pPr>
             <a:r>
-              <a:rPr lang="en-US" altLang="en-US"/>
-              <a:t>Microprocessors I:  Lecture 4</a:t>
-            </a:r>
+              <a:rPr lang="en-US" altLang="en-US" smtClean="0"/>
+              <a:t>Microprocessors I:  Lecture 2</a:t>
+            </a:r>
+            <a:endParaRPr lang="en-US" altLang="en-US"/>
           </a:p>
         </p:txBody>
       </p:sp>
@@ -9091,9 +9102,9 @@
             </a:lvl1pPr>
           </a:lstStyle>
           <a:p>
-            <a:fld id="{22E1133D-43A6-0A45-B4DD-7E39859DD4F4}" type="datetime1">
+            <a:fld id="{00F77046-A15C-4172-AF37-A4AC3854BF8D}" type="datetime1">
               <a:rPr lang="en-US" smtClean="0"/>
-              <a:t>5/16/16</a:t>
+              <a:t>5/18/2016</a:t>
             </a:fld>
             <a:endParaRPr lang="en-US"/>
           </a:p>
@@ -9124,9 +9135,10 @@
               <a:defRPr/>
             </a:pPr>
             <a:r>
-              <a:rPr lang="en-US" altLang="en-US"/>
-              <a:t>Microprocessors I:  Lecture 4</a:t>
-            </a:r>
+              <a:rPr lang="en-US" altLang="en-US" smtClean="0"/>
+              <a:t>Microprocessors I:  Lecture 2</a:t>
+            </a:r>
+            <a:endParaRPr lang="en-US" altLang="en-US"/>
           </a:p>
         </p:txBody>
       </p:sp>
@@ -9370,9 +9382,9 @@
             </a:lvl1pPr>
           </a:lstStyle>
           <a:p>
-            <a:fld id="{3C138802-0C25-CA4C-81D8-F1F39DBC78AD}" type="datetime1">
+            <a:fld id="{1304C25E-50B3-4066-9B66-A38DD4EFAD94}" type="datetime1">
               <a:rPr lang="en-US" smtClean="0"/>
-              <a:t>5/16/16</a:t>
+              <a:t>5/18/2016</a:t>
             </a:fld>
             <a:endParaRPr lang="en-US"/>
           </a:p>
@@ -9403,9 +9415,10 @@
               <a:defRPr/>
             </a:pPr>
             <a:r>
-              <a:rPr lang="en-US" altLang="en-US"/>
-              <a:t>Microprocessors I:  Lecture 4</a:t>
-            </a:r>
+              <a:rPr lang="en-US" altLang="en-US" smtClean="0"/>
+              <a:t>Microprocessors I:  Lecture 2</a:t>
+            </a:r>
+            <a:endParaRPr lang="en-US" altLang="en-US"/>
           </a:p>
         </p:txBody>
       </p:sp>
@@ -9500,14 +9513,14 @@
             <a:noFill/>
           </a:ln>
           <a:extLst>
-            <a:ext uri="{909E8E84-426E-40dd-AFC4-6F175D3DCCD1}">
+            <a:ext uri="{909E8E84-426E-40DD-AFC4-6F175D3DCCD1}">
               <a14:hiddenFill xmlns:a14="http://schemas.microsoft.com/office/drawing/2010/main">
                 <a:solidFill>
                   <a:srgbClr val="FFFFFF"/>
                 </a:solidFill>
               </a14:hiddenFill>
             </a:ext>
-            <a:ext uri="{91240B29-F687-4f45-9708-019B960494DF}">
+            <a:ext uri="{91240B29-F687-4F45-9708-019B960494DF}">
               <a14:hiddenLine xmlns:a14="http://schemas.microsoft.com/office/drawing/2010/main" w="9525">
                 <a:solidFill>
                   <a:srgbClr val="000000"/>
@@ -9518,7 +9531,7 @@
               </a14:hiddenLine>
             </a:ext>
             <a:ext uri="{FAA26D3D-D897-4be2-8F04-BA451C77F1D7}">
-              <ma14:placeholderFlag xmlns:ma14="http://schemas.microsoft.com/office/mac/drawingml/2011/main" val="1"/>
+              <ma14:placeholderFlag xmlns:ma14="http://schemas.microsoft.com/office/mac/drawingml/2011/main" xmlns="" val="1"/>
             </a:ext>
           </a:extLst>
         </p:spPr>
@@ -9561,14 +9574,14 @@
             <a:noFill/>
           </a:ln>
           <a:extLst>
-            <a:ext uri="{909E8E84-426E-40dd-AFC4-6F175D3DCCD1}">
+            <a:ext uri="{909E8E84-426E-40DD-AFC4-6F175D3DCCD1}">
               <a14:hiddenFill xmlns:a14="http://schemas.microsoft.com/office/drawing/2010/main">
                 <a:solidFill>
                   <a:srgbClr val="FFFFFF"/>
                 </a:solidFill>
               </a14:hiddenFill>
             </a:ext>
-            <a:ext uri="{91240B29-F687-4f45-9708-019B960494DF}">
+            <a:ext uri="{91240B29-F687-4F45-9708-019B960494DF}">
               <a14:hiddenLine xmlns:a14="http://schemas.microsoft.com/office/drawing/2010/main" w="9525">
                 <a:solidFill>
                   <a:srgbClr val="000000"/>
@@ -9579,7 +9592,7 @@
               </a14:hiddenLine>
             </a:ext>
             <a:ext uri="{FAA26D3D-D897-4be2-8F04-BA451C77F1D7}">
-              <ma14:placeholderFlag xmlns:ma14="http://schemas.microsoft.com/office/mac/drawingml/2011/main" val="1"/>
+              <ma14:placeholderFlag xmlns:ma14="http://schemas.microsoft.com/office/mac/drawingml/2011/main" xmlns="" val="1"/>
             </a:ext>
           </a:extLst>
         </p:spPr>
@@ -9668,9 +9681,9 @@
             </a:lvl1pPr>
           </a:lstStyle>
           <a:p>
-            <a:fld id="{2BE50162-596C-B644-89EC-BDD2DD66EC74}" type="datetime1">
+            <a:fld id="{10E83AD2-7E99-479A-A943-39DC5E79D6DC}" type="datetime1">
               <a:rPr lang="en-US" smtClean="0"/>
-              <a:t>5/16/16</a:t>
+              <a:t>5/18/2016</a:t>
             </a:fld>
             <a:endParaRPr lang="en-US"/>
           </a:p>
@@ -9723,9 +9736,10 @@
               <a:defRPr/>
             </a:pPr>
             <a:r>
-              <a:rPr lang="en-US" altLang="en-US"/>
-              <a:t>Microprocessors I:  Lecture 4</a:t>
-            </a:r>
+              <a:rPr lang="en-US" altLang="en-US" smtClean="0"/>
+              <a:t>Microprocessors I:  Lecture 2</a:t>
+            </a:r>
+            <a:endParaRPr lang="en-US" altLang="en-US"/>
           </a:p>
         </p:txBody>
       </p:sp>
@@ -9843,7 +9857,7 @@
             <a:tailEnd/>
           </a:ln>
           <a:extLst>
-            <a:ext uri="{909E8E84-426E-40dd-AFC4-6F175D3DCCD1}">
+            <a:ext uri="{909E8E84-426E-40DD-AFC4-6F175D3DCCD1}">
               <a14:hiddenFill xmlns:a14="http://schemas.microsoft.com/office/drawing/2010/main">
                 <a:solidFill>
                   <a:srgbClr val="FFFFFF"/>
@@ -9886,7 +9900,7 @@
             <a:tailEnd/>
           </a:ln>
           <a:extLst>
-            <a:ext uri="{909E8E84-426E-40dd-AFC4-6F175D3DCCD1}">
+            <a:ext uri="{909E8E84-426E-40DD-AFC4-6F175D3DCCD1}">
               <a14:hiddenFill xmlns:a14="http://schemas.microsoft.com/office/drawing/2010/main">
                 <a:noFill/>
               </a14:hiddenFill>
@@ -9922,7 +9936,7 @@
   <p:timing>
     <p:tnLst>
       <p:par>
-        <p:cTn xmlns:p14="http://schemas.microsoft.com/office/powerpoint/2010/main" id="1" dur="indefinite" restart="never" nodeType="tmRoot"/>
+        <p:cTn id="1" dur="indefinite" restart="never" nodeType="tmRoot"/>
       </p:par>
     </p:tnLst>
   </p:timing>
@@ -10525,13 +10539,7 @@
               <a:rPr lang="en-US" dirty="0" smtClean="0">
                 <a:latin typeface="Arial" charset="0"/>
               </a:rPr>
-              <a:t>x86 </a:t>
-            </a:r>
-            <a:r>
-              <a:rPr lang="en-US" dirty="0" smtClean="0">
-                <a:latin typeface="Arial" charset="0"/>
-              </a:rPr>
-              <a:t>intro</a:t>
+              <a:t>x86 intro</a:t>
             </a:r>
           </a:p>
           <a:p>
@@ -10577,7 +10585,7 @@
   <p:timing>
     <p:tnLst>
       <p:par>
-        <p:cTn xmlns:p14="http://schemas.microsoft.com/office/powerpoint/2010/main" id="1" dur="indefinite" restart="never" nodeType="tmRoot"/>
+        <p:cTn id="1" dur="indefinite" restart="never" nodeType="tmRoot"/>
       </p:par>
     </p:tnLst>
   </p:timing>
@@ -11009,11 +11017,11 @@
           </a:lstStyle>
           <a:p>
             <a:pPr eaLnBrk="1" hangingPunct="1"/>
-            <a:fld id="{E04AC1F7-EA22-6245-B460-F8E530E9E63A}" type="datetime1">
+            <a:fld id="{C9E30948-F1F8-4BBD-A7D4-A9DE3BD8E663}" type="datetime1">
               <a:rPr lang="en-US" smtClean="0">
                 <a:latin typeface="Garamond" charset="0"/>
               </a:rPr>
-              <a:t>5/16/16</a:t>
+              <a:t>5/18/2016</a:t>
             </a:fld>
             <a:endParaRPr lang="en-US">
               <a:latin typeface="Garamond" charset="0"/>
@@ -11041,7 +11049,7 @@
             </a:pPr>
             <a:r>
               <a:rPr lang="en-US" smtClean="0"/>
-              <a:t>Microprocessors I:  Lecture 4</a:t>
+              <a:t>Microprocessors I:  Lecture 2</a:t>
             </a:r>
             <a:endParaRPr lang="en-US"/>
           </a:p>
@@ -11227,7 +11235,7 @@
   <p:timing>
     <p:tnLst>
       <p:par>
-        <p:cTn xmlns:p14="http://schemas.microsoft.com/office/powerpoint/2010/main" id="1" dur="indefinite" restart="never" nodeType="tmRoot"/>
+        <p:cTn id="1" dur="indefinite" restart="never" nodeType="tmRoot"/>
       </p:par>
     </p:tnLst>
   </p:timing>
@@ -11560,11 +11568,11 @@
           </a:lstStyle>
           <a:p>
             <a:pPr eaLnBrk="1" hangingPunct="1"/>
-            <a:fld id="{4B75234C-93FA-DF4C-B286-14E13D34A7EA}" type="datetime1">
+            <a:fld id="{F48E729D-B4E6-4651-9DB3-316FA432D1AA}" type="datetime1">
               <a:rPr lang="en-US" smtClean="0">
                 <a:latin typeface="Garamond" charset="0"/>
               </a:rPr>
-              <a:t>5/16/16</a:t>
+              <a:t>5/18/2016</a:t>
             </a:fld>
             <a:endParaRPr lang="en-US">
               <a:latin typeface="Garamond" charset="0"/>
@@ -11592,7 +11600,7 @@
             </a:pPr>
             <a:r>
               <a:rPr lang="en-US" smtClean="0"/>
-              <a:t>Microprocessors I:  Lecture 4</a:t>
+              <a:t>Microprocessors I:  Lecture 2</a:t>
             </a:r>
             <a:endParaRPr lang="en-US"/>
           </a:p>
@@ -11755,7 +11763,7 @@
   <p:timing>
     <p:tnLst>
       <p:par>
-        <p:cTn xmlns:p14="http://schemas.microsoft.com/office/powerpoint/2010/main" id="1" dur="indefinite" restart="never" nodeType="tmRoot"/>
+        <p:cTn id="1" dur="indefinite" restart="never" nodeType="tmRoot"/>
       </p:par>
     </p:tnLst>
   </p:timing>
@@ -12082,11 +12090,11 @@
           </a:lstStyle>
           <a:p>
             <a:pPr eaLnBrk="1" hangingPunct="1"/>
-            <a:fld id="{1DADBDD0-0DBB-3A47-9FBC-0D3AB6873CD3}" type="datetime1">
+            <a:fld id="{8ED1AC63-695D-4458-A6B4-D06CF74F9542}" type="datetime1">
               <a:rPr lang="en-US" smtClean="0">
                 <a:latin typeface="Garamond" charset="0"/>
               </a:rPr>
-              <a:t>5/16/16</a:t>
+              <a:t>5/18/2016</a:t>
             </a:fld>
             <a:endParaRPr lang="en-US">
               <a:latin typeface="Garamond" charset="0"/>
@@ -12114,7 +12122,7 @@
             </a:pPr>
             <a:r>
               <a:rPr lang="en-US" smtClean="0"/>
-              <a:t>Microprocessors I:  Lecture 4</a:t>
+              <a:t>Microprocessors I:  Lecture 2</a:t>
             </a:r>
             <a:endParaRPr lang="en-US"/>
           </a:p>
@@ -12299,14 +12307,14 @@
           </a:ln>
           <a:effectLst/>
           <a:extLst>
-            <a:ext uri="{909E8E84-426E-40dd-AFC4-6F175D3DCCD1}">
+            <a:ext uri="{909E8E84-426E-40DD-AFC4-6F175D3DCCD1}">
               <a14:hiddenFill xmlns:a14="http://schemas.microsoft.com/office/drawing/2010/main">
                 <a:solidFill>
                   <a:schemeClr val="accent1"/>
                 </a:solidFill>
               </a14:hiddenFill>
             </a:ext>
-            <a:ext uri="{91240B29-F687-4f45-9708-019B960494DF}">
+            <a:ext uri="{91240B29-F687-4F45-9708-019B960494DF}">
               <a14:hiddenLine xmlns:a14="http://schemas.microsoft.com/office/drawing/2010/main" w="9525">
                 <a:solidFill>
                   <a:schemeClr val="tx1"/>
@@ -12316,7 +12324,7 @@
                 <a:tailEnd/>
               </a14:hiddenLine>
             </a:ext>
-            <a:ext uri="{AF507438-7753-43e0-B8FC-AC1667EBCBE1}">
+            <a:ext uri="{AF507438-7753-43E0-B8FC-AC1667EBCBE1}">
               <a14:hiddenEffects xmlns:a14="http://schemas.microsoft.com/office/drawing/2010/main">
                 <a:effectLst>
                   <a:outerShdw blurRad="63500" dist="38099" dir="2700000" algn="ctr" rotWithShape="0">
@@ -12343,7 +12351,7 @@
   <p:timing>
     <p:tnLst>
       <p:par>
-        <p:cTn xmlns:p14="http://schemas.microsoft.com/office/powerpoint/2010/main" id="1" dur="indefinite" restart="never" nodeType="tmRoot"/>
+        <p:cTn id="1" dur="indefinite" restart="never" nodeType="tmRoot"/>
       </p:par>
     </p:tnLst>
   </p:timing>
@@ -12672,11 +12680,11 @@
           </a:lstStyle>
           <a:p>
             <a:pPr eaLnBrk="1" hangingPunct="1"/>
-            <a:fld id="{86FE54F9-BA0C-6240-A23F-BC5FF79E4499}" type="datetime1">
+            <a:fld id="{D5155F5B-AC69-49EC-956A-883FE6EEE62D}" type="datetime1">
               <a:rPr lang="en-US" smtClean="0">
                 <a:latin typeface="Garamond" charset="0"/>
               </a:rPr>
-              <a:t>5/16/16</a:t>
+              <a:t>5/18/2016</a:t>
             </a:fld>
             <a:endParaRPr lang="en-US">
               <a:latin typeface="Garamond" charset="0"/>
@@ -12704,7 +12712,7 @@
             </a:pPr>
             <a:r>
               <a:rPr lang="en-US" smtClean="0"/>
-              <a:t>Microprocessors I:  Lecture 4</a:t>
+              <a:t>Microprocessors I:  Lecture 2</a:t>
             </a:r>
             <a:endParaRPr lang="en-US"/>
           </a:p>
@@ -12889,14 +12897,14 @@
           </a:ln>
           <a:effectLst/>
           <a:extLst>
-            <a:ext uri="{909E8E84-426E-40dd-AFC4-6F175D3DCCD1}">
+            <a:ext uri="{909E8E84-426E-40DD-AFC4-6F175D3DCCD1}">
               <a14:hiddenFill xmlns:a14="http://schemas.microsoft.com/office/drawing/2010/main">
                 <a:solidFill>
                   <a:schemeClr val="accent1"/>
                 </a:solidFill>
               </a14:hiddenFill>
             </a:ext>
-            <a:ext uri="{91240B29-F687-4f45-9708-019B960494DF}">
+            <a:ext uri="{91240B29-F687-4F45-9708-019B960494DF}">
               <a14:hiddenLine xmlns:a14="http://schemas.microsoft.com/office/drawing/2010/main" w="9525">
                 <a:solidFill>
                   <a:schemeClr val="tx1"/>
@@ -12906,7 +12914,7 @@
                 <a:tailEnd/>
               </a14:hiddenLine>
             </a:ext>
-            <a:ext uri="{AF507438-7753-43e0-B8FC-AC1667EBCBE1}">
+            <a:ext uri="{AF507438-7753-43E0-B8FC-AC1667EBCBE1}">
               <a14:hiddenEffects xmlns:a14="http://schemas.microsoft.com/office/drawing/2010/main">
                 <a:effectLst>
                   <a:outerShdw blurRad="63500" dist="38099" dir="2700000" algn="ctr" rotWithShape="0">
@@ -12930,13 +12938,13 @@
   <p:clrMapOvr>
     <a:masterClrMapping/>
   </p:clrMapOvr>
-  <p:transition xmlns:p14="http://schemas.microsoft.com/office/powerpoint/2010/main">
+  <p:transition>
     <p:cut/>
   </p:transition>
   <p:timing>
     <p:tnLst>
       <p:par>
-        <p:cTn xmlns:p14="http://schemas.microsoft.com/office/powerpoint/2010/main" id="1" dur="indefinite" restart="never" nodeType="tmRoot"/>
+        <p:cTn id="1" dur="indefinite" restart="never" nodeType="tmRoot"/>
       </p:par>
     </p:tnLst>
   </p:timing>
@@ -13192,11 +13200,11 @@
           </a:lstStyle>
           <a:p>
             <a:pPr eaLnBrk="1" hangingPunct="1"/>
-            <a:fld id="{B92078CF-6329-BD40-A48F-42709062FCF3}" type="datetime1">
+            <a:fld id="{7F230E5F-A422-4A32-90C5-26DA5A2FF79F}" type="datetime1">
               <a:rPr lang="en-US" smtClean="0">
                 <a:latin typeface="Garamond" charset="0"/>
               </a:rPr>
-              <a:t>5/16/16</a:t>
+              <a:t>5/18/2016</a:t>
             </a:fld>
             <a:endParaRPr lang="en-US">
               <a:latin typeface="Garamond" charset="0"/>
@@ -13224,7 +13232,7 @@
             </a:pPr>
             <a:r>
               <a:rPr lang="en-US" altLang="en-US" smtClean="0"/>
-              <a:t>Microprocessors I:  Lecture 4</a:t>
+              <a:t>Microprocessors I:  Lecture 2</a:t>
             </a:r>
             <a:endParaRPr lang="en-US" altLang="en-US"/>
           </a:p>
@@ -13387,7 +13395,7 @@
   <p:timing>
     <p:tnLst>
       <p:par>
-        <p:cTn xmlns:p14="http://schemas.microsoft.com/office/powerpoint/2010/main" id="1" dur="indefinite" restart="never" nodeType="tmRoot"/>
+        <p:cTn id="1" dur="indefinite" restart="never" nodeType="tmRoot"/>
       </p:par>
     </p:tnLst>
   </p:timing>
@@ -13615,11 +13623,11 @@
           </a:lstStyle>
           <a:p>
             <a:pPr eaLnBrk="1" hangingPunct="1"/>
-            <a:fld id="{EF260818-361B-5D46-81A5-06EA5129F46A}" type="datetime1">
+            <a:fld id="{B0AE37E0-3D91-4989-A0B6-4982613400AE}" type="datetime1">
               <a:rPr lang="en-US" smtClean="0">
                 <a:latin typeface="Garamond" charset="0"/>
               </a:rPr>
-              <a:t>5/16/16</a:t>
+              <a:t>5/18/2016</a:t>
             </a:fld>
             <a:endParaRPr lang="en-US">
               <a:latin typeface="Garamond" charset="0"/>
@@ -13647,7 +13655,7 @@
             </a:pPr>
             <a:r>
               <a:rPr lang="en-US" altLang="en-US" smtClean="0"/>
-              <a:t>Microprocessors I:  Lecture 4</a:t>
+              <a:t>Microprocessors I:  Lecture 2</a:t>
             </a:r>
             <a:endParaRPr lang="en-US" altLang="en-US"/>
           </a:p>
@@ -13832,14 +13840,14 @@
           </a:ln>
           <a:effectLst/>
           <a:extLst>
-            <a:ext uri="{909E8E84-426E-40dd-AFC4-6F175D3DCCD1}">
+            <a:ext uri="{909E8E84-426E-40DD-AFC4-6F175D3DCCD1}">
               <a14:hiddenFill xmlns:a14="http://schemas.microsoft.com/office/drawing/2010/main">
                 <a:solidFill>
                   <a:schemeClr val="accent1"/>
                 </a:solidFill>
               </a14:hiddenFill>
             </a:ext>
-            <a:ext uri="{91240B29-F687-4f45-9708-019B960494DF}">
+            <a:ext uri="{91240B29-F687-4F45-9708-019B960494DF}">
               <a14:hiddenLine xmlns:a14="http://schemas.microsoft.com/office/drawing/2010/main" w="9525">
                 <a:solidFill>
                   <a:schemeClr val="tx1"/>
@@ -13849,7 +13857,7 @@
                 <a:tailEnd/>
               </a14:hiddenLine>
             </a:ext>
-            <a:ext uri="{AF507438-7753-43e0-B8FC-AC1667EBCBE1}">
+            <a:ext uri="{AF507438-7753-43E0-B8FC-AC1667EBCBE1}">
               <a14:hiddenEffects xmlns:a14="http://schemas.microsoft.com/office/drawing/2010/main">
                 <a:effectLst>
                   <a:outerShdw blurRad="63500" dist="38099" dir="2700000" algn="ctr" rotWithShape="0">
@@ -13876,7 +13884,7 @@
   <p:timing>
     <p:tnLst>
       <p:par>
-        <p:cTn xmlns:p14="http://schemas.microsoft.com/office/powerpoint/2010/main" id="1" dur="indefinite" restart="never" nodeType="tmRoot"/>
+        <p:cTn id="1" dur="indefinite" restart="never" nodeType="tmRoot"/>
       </p:par>
     </p:tnLst>
   </p:timing>
@@ -14243,11 +14251,11 @@
           </a:lstStyle>
           <a:p>
             <a:pPr eaLnBrk="1" hangingPunct="1"/>
-            <a:fld id="{AC08CAB7-B9B8-804F-8920-2338E3B75C33}" type="datetime1">
+            <a:fld id="{1282CE9D-D655-46A6-82E3-C0747888F1B8}" type="datetime1">
               <a:rPr lang="en-US" smtClean="0">
                 <a:latin typeface="Garamond" charset="0"/>
               </a:rPr>
-              <a:t>5/16/16</a:t>
+              <a:t>5/18/2016</a:t>
             </a:fld>
             <a:endParaRPr lang="en-US">
               <a:latin typeface="Garamond" charset="0"/>
@@ -14275,7 +14283,7 @@
             </a:pPr>
             <a:r>
               <a:rPr lang="en-US" altLang="en-US" smtClean="0"/>
-              <a:t>Microprocessors I:  Lecture 4</a:t>
+              <a:t>Microprocessors I:  Lecture 2</a:t>
             </a:r>
             <a:endParaRPr lang="en-US" altLang="en-US"/>
           </a:p>
@@ -14433,7 +14441,7 @@
   <p:timing>
     <p:tnLst>
       <p:par>
-        <p:cTn xmlns:p14="http://schemas.microsoft.com/office/powerpoint/2010/main" id="1" dur="indefinite" restart="never" nodeType="tmRoot"/>
+        <p:cTn id="1" dur="indefinite" restart="never" nodeType="tmRoot"/>
       </p:par>
     </p:tnLst>
   </p:timing>
@@ -14806,11 +14814,11 @@
           </a:lstStyle>
           <a:p>
             <a:pPr eaLnBrk="1" hangingPunct="1"/>
-            <a:fld id="{A78B53BE-0236-D44D-B805-80AC0B7FA2FA}" type="datetime1">
+            <a:fld id="{84847AFB-7C12-49D5-8D55-27AB2EBB2BE3}" type="datetime1">
               <a:rPr lang="en-US" smtClean="0">
                 <a:latin typeface="Garamond" charset="0"/>
               </a:rPr>
-              <a:t>5/16/16</a:t>
+              <a:t>5/18/2016</a:t>
             </a:fld>
             <a:endParaRPr lang="en-US">
               <a:latin typeface="Garamond" charset="0"/>
@@ -14838,7 +14846,7 @@
             </a:pPr>
             <a:r>
               <a:rPr lang="en-US" altLang="en-US" smtClean="0"/>
-              <a:t>Microprocessors I:  Lecture 4</a:t>
+              <a:t>Microprocessors I:  Lecture 2</a:t>
             </a:r>
             <a:endParaRPr lang="en-US" altLang="en-US"/>
           </a:p>
@@ -14996,7 +15004,7 @@
   <p:timing>
     <p:tnLst>
       <p:par>
-        <p:cTn xmlns:p14="http://schemas.microsoft.com/office/powerpoint/2010/main" id="1" dur="indefinite" restart="never" nodeType="tmRoot"/>
+        <p:cTn id="1" dur="indefinite" restart="never" nodeType="tmRoot"/>
       </p:par>
     </p:tnLst>
   </p:timing>
@@ -15403,11 +15411,11 @@
           </a:lstStyle>
           <a:p>
             <a:pPr eaLnBrk="1" hangingPunct="1"/>
-            <a:fld id="{56B3E296-7F27-6841-9F90-DFAA2F3A705F}" type="datetime1">
+            <a:fld id="{CFA09AA3-CEA5-484F-BEB3-3CF2D9FA1CD0}" type="datetime1">
               <a:rPr lang="en-US" smtClean="0">
                 <a:latin typeface="Garamond" charset="0"/>
               </a:rPr>
-              <a:t>5/16/16</a:t>
+              <a:t>5/18/2016</a:t>
             </a:fld>
             <a:endParaRPr lang="en-US">
               <a:latin typeface="Garamond" charset="0"/>
@@ -15435,7 +15443,7 @@
             </a:pPr>
             <a:r>
               <a:rPr lang="en-US" altLang="en-US" smtClean="0"/>
-              <a:t>Microprocessors I:  Lecture 4</a:t>
+              <a:t>Microprocessors I:  Lecture 2</a:t>
             </a:r>
             <a:endParaRPr lang="en-US" altLang="en-US"/>
           </a:p>
@@ -15593,7 +15601,7 @@
   <p:timing>
     <p:tnLst>
       <p:par>
-        <p:cTn xmlns:p14="http://schemas.microsoft.com/office/powerpoint/2010/main" id="1" dur="indefinite" restart="never" nodeType="tmRoot"/>
+        <p:cTn id="1" dur="indefinite" restart="never" nodeType="tmRoot"/>
       </p:par>
     </p:tnLst>
   </p:timing>
@@ -16025,11 +16033,11 @@
           </a:lstStyle>
           <a:p>
             <a:pPr eaLnBrk="1" hangingPunct="1"/>
-            <a:fld id="{76FDD00D-2A46-C241-870D-24EB11C5EC89}" type="datetime1">
+            <a:fld id="{ABE67888-F4DE-4C44-BD1C-6018633D58A6}" type="datetime1">
               <a:rPr lang="en-US" smtClean="0">
                 <a:latin typeface="Garamond" charset="0"/>
               </a:rPr>
-              <a:t>5/16/16</a:t>
+              <a:t>5/18/2016</a:t>
             </a:fld>
             <a:endParaRPr lang="en-US">
               <a:latin typeface="Garamond" charset="0"/>
@@ -16057,7 +16065,7 @@
             </a:pPr>
             <a:r>
               <a:rPr lang="en-US" altLang="en-US" smtClean="0"/>
-              <a:t>Microprocessors I:  Lecture 4</a:t>
+              <a:t>Microprocessors I:  Lecture 2</a:t>
             </a:r>
             <a:endParaRPr lang="en-US" altLang="en-US"/>
           </a:p>
@@ -16215,7 +16223,7 @@
   <p:timing>
     <p:tnLst>
       <p:par>
-        <p:cTn xmlns:p14="http://schemas.microsoft.com/office/powerpoint/2010/main" id="1" dur="indefinite" restart="never" nodeType="tmRoot"/>
+        <p:cTn id="1" dur="indefinite" restart="never" nodeType="tmRoot"/>
       </p:par>
     </p:tnLst>
   </p:timing>
@@ -16275,7 +16283,7 @@
         <p:spPr/>
         <p:txBody>
           <a:bodyPr>
-            <a:normAutofit fontScale="77500" lnSpcReduction="20000"/>
+            <a:normAutofit fontScale="70000" lnSpcReduction="20000"/>
           </a:bodyPr>
           <a:lstStyle/>
           <a:p>
@@ -16330,10 +16338,27 @@
             <a:pPr lvl="1"/>
             <a:r>
               <a:rPr lang="en-US" dirty="0" smtClean="0"/>
-              <a:t>Exam 3: 6/23 instead of 6/27</a:t>
-            </a:r>
-          </a:p>
-          <a:p>
+              <a:t>Exam 3: 6/23 instead of </a:t>
+            </a:r>
+            <a:r>
+              <a:rPr lang="en-US" dirty="0" smtClean="0"/>
+              <a:t>6/27</a:t>
+            </a:r>
+          </a:p>
+          <a:p>
+            <a:pPr lvl="1"/>
+            <a:r>
+              <a:rPr lang="en-US" dirty="0" smtClean="0"/>
+              <a:t>Time fixed in </a:t>
+            </a:r>
+            <a:r>
+              <a:rPr lang="en-US" dirty="0" err="1" smtClean="0"/>
+              <a:t>SiS</a:t>
+            </a:r>
+            <a:r>
+              <a:rPr lang="en-US" dirty="0" smtClean="0"/>
+              <a:t>—no more time conflict with Signals</a:t>
+            </a:r>
             <a:endParaRPr lang="en-US" dirty="0" smtClean="0"/>
           </a:p>
           <a:p>
@@ -16385,7 +16410,18 @@
             <a:pPr lvl="1"/>
             <a:r>
               <a:rPr lang="en-US" dirty="0" smtClean="0"/>
-              <a:t>x86 memory accesses</a:t>
+              <a:t>x86 memory </a:t>
+            </a:r>
+            <a:r>
+              <a:rPr lang="en-US" dirty="0" smtClean="0"/>
+              <a:t>accesses</a:t>
+            </a:r>
+          </a:p>
+          <a:p>
+            <a:pPr lvl="1"/>
+            <a:r>
+              <a:rPr lang="en-US" dirty="0" smtClean="0"/>
+              <a:t>Data transfer instructions</a:t>
             </a:r>
             <a:endParaRPr lang="en-US" dirty="0"/>
           </a:p>
@@ -16521,10 +16557,9 @@
             </a:lvl9pPr>
           </a:lstStyle>
           <a:p>
-            <a:fld id="{F31AED56-512B-C849-9EA3-8879017BC373}" type="datetime1">
+            <a:fld id="{7DC469DF-028A-406A-A2B3-33C4E6739624}" type="datetime1">
               <a:rPr lang="en-US" smtClean="0"/>
-              <a:pPr/>
-              <a:t>5/16/16</a:t>
+              <a:t>5/18/2016</a:t>
             </a:fld>
             <a:endParaRPr lang="en-US"/>
           </a:p>
@@ -16547,7 +16582,7 @@
           <a:p>
             <a:r>
               <a:rPr lang="en-US" altLang="en-US" smtClean="0"/>
-              <a:t>Microprocessors I:  Lecture 4</a:t>
+              <a:t>Microprocessors I:  Lecture 2</a:t>
             </a:r>
             <a:endParaRPr lang="en-US" altLang="en-US" dirty="0"/>
           </a:p>
@@ -16700,7 +16735,7 @@
   <p:timing>
     <p:tnLst>
       <p:par>
-        <p:cTn xmlns:p14="http://schemas.microsoft.com/office/powerpoint/2010/main" id="1" dur="indefinite" restart="never" nodeType="tmRoot"/>
+        <p:cTn id="1" dur="indefinite" restart="never" nodeType="tmRoot"/>
       </p:par>
     </p:tnLst>
   </p:timing>
@@ -17032,11 +17067,11 @@
           </a:lstStyle>
           <a:p>
             <a:pPr eaLnBrk="1" hangingPunct="1"/>
-            <a:fld id="{7B482D6F-C470-CA45-889E-548FAFB87285}" type="datetime1">
+            <a:fld id="{51816E08-3982-476B-A472-F5110A9C897D}" type="datetime1">
               <a:rPr lang="en-US" smtClean="0">
                 <a:latin typeface="Garamond" charset="0"/>
               </a:rPr>
-              <a:t>5/16/16</a:t>
+              <a:t>5/18/2016</a:t>
             </a:fld>
             <a:endParaRPr lang="en-US">
               <a:latin typeface="Garamond" charset="0"/>
@@ -17064,7 +17099,7 @@
             </a:pPr>
             <a:r>
               <a:rPr lang="en-US" smtClean="0"/>
-              <a:t>Microprocessors I:  Lecture 5</a:t>
+              <a:t>Microprocessors I:  Lecture 2</a:t>
             </a:r>
             <a:endParaRPr lang="en-US"/>
           </a:p>
@@ -17236,14 +17271,14 @@
           </a:ln>
           <a:effectLst/>
           <a:extLst>
-            <a:ext uri="{909E8E84-426E-40dd-AFC4-6F175D3DCCD1}">
+            <a:ext uri="{909E8E84-426E-40DD-AFC4-6F175D3DCCD1}">
               <a14:hiddenFill xmlns:a14="http://schemas.microsoft.com/office/drawing/2010/main">
                 <a:solidFill>
                   <a:schemeClr val="accent1"/>
                 </a:solidFill>
               </a14:hiddenFill>
             </a:ext>
-            <a:ext uri="{91240B29-F687-4f45-9708-019B960494DF}">
+            <a:ext uri="{91240B29-F687-4F45-9708-019B960494DF}">
               <a14:hiddenLine xmlns:a14="http://schemas.microsoft.com/office/drawing/2010/main" w="9525">
                 <a:solidFill>
                   <a:schemeClr val="tx1"/>
@@ -17253,7 +17288,7 @@
                 <a:tailEnd/>
               </a14:hiddenLine>
             </a:ext>
-            <a:ext uri="{AF507438-7753-43e0-B8FC-AC1667EBCBE1}">
+            <a:ext uri="{AF507438-7753-43E0-B8FC-AC1667EBCBE1}">
               <a14:hiddenEffects xmlns:a14="http://schemas.microsoft.com/office/drawing/2010/main">
                 <a:effectLst>
                   <a:outerShdw blurRad="63500" dist="38099" dir="2700000" algn="ctr" rotWithShape="0">
@@ -17291,7 +17326,7 @@
   <p:timing>
     <p:tnLst>
       <p:par>
-        <p:cTn xmlns:p14="http://schemas.microsoft.com/office/powerpoint/2010/main" id="1" dur="indefinite" restart="never" nodeType="tmRoot"/>
+        <p:cTn id="1" dur="indefinite" restart="never" nodeType="tmRoot"/>
       </p:par>
     </p:tnLst>
   </p:timing>
@@ -17677,11 +17712,11 @@
           </a:lstStyle>
           <a:p>
             <a:pPr eaLnBrk="1" hangingPunct="1"/>
-            <a:fld id="{C7D7F239-142F-C341-A4B7-C1D93870152E}" type="datetime1">
+            <a:fld id="{2BC949B3-8EE0-4284-8768-622D01A7309F}" type="datetime1">
               <a:rPr lang="en-US" smtClean="0">
                 <a:latin typeface="Garamond" charset="0"/>
               </a:rPr>
-              <a:t>5/16/16</a:t>
+              <a:t>5/18/2016</a:t>
             </a:fld>
             <a:endParaRPr lang="en-US">
               <a:latin typeface="Garamond" charset="0"/>
@@ -17709,7 +17744,7 @@
             </a:pPr>
             <a:r>
               <a:rPr lang="en-US" smtClean="0"/>
-              <a:t>Microprocessors I:  Lecture 5</a:t>
+              <a:t>Microprocessors I:  Lecture 2</a:t>
             </a:r>
             <a:endParaRPr lang="en-US"/>
           </a:p>
@@ -17869,13 +17904,13 @@
   <p:clrMapOvr>
     <a:masterClrMapping/>
   </p:clrMapOvr>
-  <p:transition xmlns:p14="http://schemas.microsoft.com/office/powerpoint/2010/main">
+  <p:transition>
     <p:cut/>
   </p:transition>
   <p:timing>
     <p:tnLst>
       <p:par>
-        <p:cTn xmlns:p14="http://schemas.microsoft.com/office/powerpoint/2010/main" id="1" dur="indefinite" restart="never" nodeType="tmRoot"/>
+        <p:cTn id="1" dur="indefinite" restart="never" nodeType="tmRoot"/>
       </p:par>
     </p:tnLst>
   </p:timing>
@@ -18240,11 +18275,11 @@
           </a:lstStyle>
           <a:p>
             <a:pPr eaLnBrk="1" hangingPunct="1"/>
-            <a:fld id="{EC99D9ED-7308-EA4D-A21A-36A55F06FACA}" type="datetime1">
+            <a:fld id="{AF46F3C1-A701-479E-8DBA-0FBFFE84EF0B}" type="datetime1">
               <a:rPr lang="en-US" smtClean="0">
                 <a:latin typeface="Garamond" charset="0"/>
               </a:rPr>
-              <a:t>5/16/16</a:t>
+              <a:t>5/18/2016</a:t>
             </a:fld>
             <a:endParaRPr lang="en-US">
               <a:latin typeface="Garamond" charset="0"/>
@@ -18272,7 +18307,7 @@
             </a:pPr>
             <a:r>
               <a:rPr lang="en-US" altLang="en-US" smtClean="0"/>
-              <a:t>Microprocessors I:  Lecture 5</a:t>
+              <a:t>Microprocessors I:  Lecture 2</a:t>
             </a:r>
             <a:endParaRPr lang="en-US" altLang="en-US"/>
           </a:p>
@@ -18435,7 +18470,7 @@
   <p:timing>
     <p:tnLst>
       <p:par>
-        <p:cTn xmlns:p14="http://schemas.microsoft.com/office/powerpoint/2010/main" id="1" dur="indefinite" restart="never" nodeType="tmRoot"/>
+        <p:cTn id="1" dur="indefinite" restart="never" nodeType="tmRoot"/>
       </p:par>
     </p:tnLst>
   </p:timing>
@@ -18570,19 +18605,6 @@
               <a:buChar char="n"/>
               <a:defRPr/>
             </a:pPr>
-            <a:r>
-              <a:rPr lang="en-US" dirty="0" smtClean="0">
-                <a:ea typeface="+mn-ea"/>
-              </a:rPr>
-              <a:t>Load full pointer</a:t>
-            </a:r>
-          </a:p>
-          <a:p>
-            <a:pPr>
-              <a:buFont typeface="Wingdings" pitchFamily="2" charset="2"/>
-              <a:buChar char="n"/>
-              <a:defRPr/>
-            </a:pPr>
             <a:endParaRPr lang="en-US" dirty="0">
               <a:ea typeface="+mn-ea"/>
             </a:endParaRPr>
@@ -18799,11 +18821,11 @@
           </a:lstStyle>
           <a:p>
             <a:pPr eaLnBrk="1" hangingPunct="1"/>
-            <a:fld id="{E61C47DE-46B9-0643-8DED-C511114C63D3}" type="datetime1">
+            <a:fld id="{C1EE54DB-BADD-4A53-99BF-96E71B6DC5D7}" type="datetime1">
               <a:rPr lang="en-US" smtClean="0">
                 <a:latin typeface="Garamond" charset="0"/>
               </a:rPr>
-              <a:t>5/16/16</a:t>
+              <a:t>5/18/2016</a:t>
             </a:fld>
             <a:endParaRPr lang="en-US">
               <a:latin typeface="Garamond" charset="0"/>
@@ -18831,7 +18853,7 @@
             </a:pPr>
             <a:r>
               <a:rPr lang="en-US" altLang="en-US" smtClean="0"/>
-              <a:t>Microprocessors I:  Lecture 5</a:t>
+              <a:t>Microprocessors I:  Lecture 2</a:t>
             </a:r>
             <a:endParaRPr lang="en-US" altLang="en-US"/>
           </a:p>
@@ -18994,7 +19016,7 @@
   <p:timing>
     <p:tnLst>
       <p:par>
-        <p:cTn xmlns:p14="http://schemas.microsoft.com/office/powerpoint/2010/main" id="1" dur="indefinite" restart="never" nodeType="tmRoot"/>
+        <p:cTn id="1" dur="indefinite" restart="never" nodeType="tmRoot"/>
       </p:par>
     </p:tnLst>
   </p:timing>
@@ -19153,17 +19175,6 @@
             </a:r>
           </a:p>
           <a:p>
-            <a:pPr lvl="1">
-              <a:buFont typeface="Wingdings" pitchFamily="2" charset="2"/>
-              <a:buChar char="q"/>
-              <a:defRPr/>
-            </a:pPr>
-            <a:r>
-              <a:rPr lang="en-US" dirty="0" smtClean="0"/>
-              <a:t>If segment register is destination, source must be memory or register (no immediate)</a:t>
-            </a:r>
-          </a:p>
-          <a:p>
             <a:pPr marL="0" indent="0">
               <a:buFont typeface="Wingdings" pitchFamily="2" charset="2"/>
               <a:buNone/>
@@ -19306,11 +19317,11 @@
           </a:lstStyle>
           <a:p>
             <a:pPr eaLnBrk="1" hangingPunct="1"/>
-            <a:fld id="{2A686F85-8896-B14B-8E83-CA039D9625E6}" type="datetime1">
+            <a:fld id="{25D5BB6D-690A-441A-A201-FF2EA0510F3B}" type="datetime1">
               <a:rPr lang="en-US" smtClean="0">
                 <a:latin typeface="Garamond" charset="0"/>
               </a:rPr>
-              <a:t>5/16/16</a:t>
+              <a:t>5/18/2016</a:t>
             </a:fld>
             <a:endParaRPr lang="en-US">
               <a:latin typeface="Garamond" charset="0"/>
@@ -19338,7 +19349,7 @@
             </a:pPr>
             <a:r>
               <a:rPr lang="en-US" altLang="en-US" smtClean="0"/>
-              <a:t>Microprocessors I:  Lecture 5</a:t>
+              <a:t>Microprocessors I:  Lecture 2</a:t>
             </a:r>
             <a:endParaRPr lang="en-US" altLang="en-US"/>
           </a:p>
@@ -19501,7 +19512,7 @@
   <p:timing>
     <p:tnLst>
       <p:par>
-        <p:cTn xmlns:p14="http://schemas.microsoft.com/office/powerpoint/2010/main" id="1" dur="indefinite" restart="never" nodeType="tmRoot"/>
+        <p:cTn id="1" dur="indefinite" restart="never" nodeType="tmRoot"/>
       </p:par>
     </p:tnLst>
   </p:timing>
@@ -19808,11 +19819,11 @@
           </a:lstStyle>
           <a:p>
             <a:pPr eaLnBrk="1" hangingPunct="1"/>
-            <a:fld id="{087D7C1E-8FC1-804E-AB6A-775EF27E9E21}" type="datetime1">
+            <a:fld id="{AE468248-401E-4F73-9392-B6BCF3366CFB}" type="datetime1">
               <a:rPr lang="en-US" smtClean="0">
                 <a:latin typeface="Garamond" charset="0"/>
               </a:rPr>
-              <a:t>5/16/16</a:t>
+              <a:t>5/18/2016</a:t>
             </a:fld>
             <a:endParaRPr lang="en-US">
               <a:latin typeface="Garamond" charset="0"/>
@@ -19840,7 +19851,7 @@
             </a:pPr>
             <a:r>
               <a:rPr lang="en-US" altLang="en-US" smtClean="0"/>
-              <a:t>Microprocessors I:  Lecture 5</a:t>
+              <a:t>Microprocessors I:  Lecture 2</a:t>
             </a:r>
             <a:endParaRPr lang="en-US" altLang="en-US"/>
           </a:p>
@@ -20003,7 +20014,7 @@
   <p:timing>
     <p:tnLst>
       <p:par>
-        <p:cTn xmlns:p14="http://schemas.microsoft.com/office/powerpoint/2010/main" id="1" dur="indefinite" restart="never" nodeType="tmRoot"/>
+        <p:cTn id="1" dur="indefinite" restart="never" nodeType="tmRoot"/>
       </p:par>
     </p:tnLst>
   </p:timing>
@@ -20102,33 +20113,33 @@
           <a:lstStyle/>
           <a:p>
             <a:r>
+              <a:rPr lang="en-US" dirty="0">
+                <a:latin typeface="Arial" charset="0"/>
+              </a:rPr>
+              <a:t>Example—Initialization of internal registers with immediate data and address information</a:t>
+            </a:r>
+          </a:p>
+          <a:p>
+            <a:pPr lvl="1"/>
+            <a:r>
+              <a:rPr lang="en-US" dirty="0">
+                <a:latin typeface="Arial" charset="0"/>
+              </a:rPr>
+              <a:t>What is the final state of all affected </a:t>
+            </a:r>
+            <a:r>
               <a:rPr lang="en-US">
                 <a:latin typeface="Arial" charset="0"/>
               </a:rPr>
-              <a:t>Example—Initialization of internal registers with immediate data and address information</a:t>
-            </a:r>
-          </a:p>
-          <a:p>
-            <a:pPr lvl="1"/>
-            <a:r>
-              <a:rPr lang="en-US">
-                <a:latin typeface="Arial" charset="0"/>
-              </a:rPr>
-              <a:t>What is the final state of all affected registers?</a:t>
-            </a:r>
-          </a:p>
-          <a:p>
-            <a:pPr lvl="1"/>
-            <a:r>
-              <a:rPr lang="en-US">
-                <a:latin typeface="Arial" charset="0"/>
-              </a:rPr>
-              <a:t>Why is AX used to initialize segment registers?</a:t>
-            </a:r>
-          </a:p>
-          <a:p>
-            <a:pPr lvl="1"/>
-            <a:endParaRPr lang="en-US">
+              <a:t>registers</a:t>
+            </a:r>
+            <a:r>
+              <a:rPr lang="en-US" smtClean="0">
+                <a:latin typeface="Arial" charset="0"/>
+              </a:rPr>
+              <a:t>?</a:t>
+            </a:r>
+            <a:endParaRPr lang="en-US" dirty="0">
               <a:latin typeface="Arial" charset="0"/>
             </a:endParaRPr>
           </a:p>
@@ -20265,11 +20276,11 @@
           </a:lstStyle>
           <a:p>
             <a:pPr eaLnBrk="1" hangingPunct="1"/>
-            <a:fld id="{640D31F0-24AB-5641-A0B7-A8A43C6A01EC}" type="datetime1">
+            <a:fld id="{602AADF9-42BB-4984-8A99-E5BCD865C6ED}" type="datetime1">
               <a:rPr lang="en-US" smtClean="0">
                 <a:latin typeface="Garamond" charset="0"/>
               </a:rPr>
-              <a:t>5/16/16</a:t>
+              <a:t>5/18/2016</a:t>
             </a:fld>
             <a:endParaRPr lang="en-US">
               <a:latin typeface="Garamond" charset="0"/>
@@ -20297,7 +20308,7 @@
             </a:pPr>
             <a:r>
               <a:rPr lang="en-US" smtClean="0"/>
-              <a:t>Microprocessors I:  Lecture 5</a:t>
+              <a:t>Microprocessors I:  Lecture 2</a:t>
             </a:r>
             <a:endParaRPr lang="en-US"/>
           </a:p>
@@ -20457,13 +20468,13 @@
   <p:clrMapOvr>
     <a:masterClrMapping/>
   </p:clrMapOvr>
-  <p:transition xmlns:p14="http://schemas.microsoft.com/office/powerpoint/2010/main">
+  <p:transition>
     <p:cut/>
   </p:transition>
   <p:timing>
     <p:tnLst>
       <p:par>
-        <p:cTn xmlns:p14="http://schemas.microsoft.com/office/powerpoint/2010/main" id="1" dur="indefinite" restart="never" nodeType="tmRoot"/>
+        <p:cTn id="1" dur="indefinite" restart="never" nodeType="tmRoot"/>
       </p:par>
     </p:tnLst>
   </p:timing>
@@ -20949,11 +20960,11 @@
           </a:lstStyle>
           <a:p>
             <a:pPr eaLnBrk="1" hangingPunct="1"/>
-            <a:fld id="{940DCFE0-D478-A348-B1F2-1A5DF80B6422}" type="datetime1">
+            <a:fld id="{12097978-022C-4403-8BAB-DD85F55895E5}" type="datetime1">
               <a:rPr lang="en-US" smtClean="0">
                 <a:latin typeface="Garamond" charset="0"/>
               </a:rPr>
-              <a:t>5/16/16</a:t>
+              <a:t>5/18/2016</a:t>
             </a:fld>
             <a:endParaRPr lang="en-US">
               <a:latin typeface="Garamond" charset="0"/>
@@ -20981,7 +20992,7 @@
             </a:pPr>
             <a:r>
               <a:rPr lang="en-US" smtClean="0"/>
-              <a:t>Microprocessors I:  Lecture 5</a:t>
+              <a:t>Microprocessors I:  Lecture 2</a:t>
             </a:r>
             <a:endParaRPr lang="en-US"/>
           </a:p>
@@ -21141,13 +21152,13 @@
   <p:clrMapOvr>
     <a:masterClrMapping/>
   </p:clrMapOvr>
-  <p:transition xmlns:p14="http://schemas.microsoft.com/office/powerpoint/2010/main">
+  <p:transition>
     <p:cut/>
   </p:transition>
   <p:timing>
     <p:tnLst>
       <p:par>
-        <p:cTn xmlns:p14="http://schemas.microsoft.com/office/powerpoint/2010/main" id="1" dur="indefinite" restart="never" nodeType="tmRoot"/>
+        <p:cTn id="1" dur="indefinite" restart="never" nodeType="tmRoot"/>
       </p:par>
     </p:tnLst>
   </p:timing>
@@ -21558,11 +21569,11 @@
           </a:lstStyle>
           <a:p>
             <a:pPr eaLnBrk="1" hangingPunct="1"/>
-            <a:fld id="{C1E60FA4-53A0-8648-9187-2F3785C2165B}" type="datetime1">
+            <a:fld id="{9AA5CAE0-DD23-44F2-B853-367A5A6EB4D7}" type="datetime1">
               <a:rPr lang="en-US" smtClean="0">
                 <a:latin typeface="Garamond" charset="0"/>
               </a:rPr>
-              <a:t>5/16/16</a:t>
+              <a:t>5/18/2016</a:t>
             </a:fld>
             <a:endParaRPr lang="en-US">
               <a:latin typeface="Garamond" charset="0"/>
@@ -21590,7 +21601,7 @@
             </a:pPr>
             <a:r>
               <a:rPr lang="en-US" altLang="en-US" smtClean="0"/>
-              <a:t>Microprocessors I:  Lecture 5</a:t>
+              <a:t>Microprocessors I:  Lecture 2</a:t>
             </a:r>
             <a:endParaRPr lang="en-US" altLang="en-US"/>
           </a:p>
@@ -21753,7 +21764,7 @@
   <p:timing>
     <p:tnLst>
       <p:par>
-        <p:cTn xmlns:p14="http://schemas.microsoft.com/office/powerpoint/2010/main" id="1" dur="indefinite" restart="never" nodeType="tmRoot"/>
+        <p:cTn id="1" dur="indefinite" restart="never" nodeType="tmRoot"/>
       </p:par>
     </p:tnLst>
   </p:timing>
@@ -22052,11 +22063,11 @@
           </a:lstStyle>
           <a:p>
             <a:pPr eaLnBrk="1" hangingPunct="1"/>
-            <a:fld id="{743D38BF-A933-D646-856A-A57333B39C06}" type="datetime1">
+            <a:fld id="{A3A112F5-C567-424D-9EE3-E91E9D5172DC}" type="datetime1">
               <a:rPr lang="en-US" smtClean="0">
                 <a:latin typeface="Garamond" charset="0"/>
               </a:rPr>
-              <a:t>5/16/16</a:t>
+              <a:t>5/18/2016</a:t>
             </a:fld>
             <a:endParaRPr lang="en-US">
               <a:latin typeface="Garamond" charset="0"/>
@@ -22084,7 +22095,7 @@
             </a:pPr>
             <a:r>
               <a:rPr lang="en-US" altLang="en-US" smtClean="0"/>
-              <a:t>Microprocessors I:  Lecture 5</a:t>
+              <a:t>Microprocessors I:  Lecture 2</a:t>
             </a:r>
             <a:endParaRPr lang="en-US" altLang="en-US"/>
           </a:p>
@@ -22247,7 +22258,7 @@
   <p:timing>
     <p:tnLst>
       <p:par>
-        <p:cTn xmlns:p14="http://schemas.microsoft.com/office/powerpoint/2010/main" id="1" dur="indefinite" restart="never" nodeType="tmRoot"/>
+        <p:cTn id="1" dur="indefinite" restart="never" nodeType="tmRoot"/>
       </p:par>
     </p:tnLst>
   </p:timing>
@@ -22645,14 +22656,14 @@
           <a:noFill/>
           <a:ln/>
           <a:extLst>
-            <a:ext uri="{909E8E84-426E-40dd-AFC4-6F175D3DCCD1}">
+            <a:ext uri="{909E8E84-426E-40DD-AFC4-6F175D3DCCD1}">
               <a14:hiddenFill xmlns:a14="http://schemas.microsoft.com/office/drawing/2010/main">
                 <a:solidFill>
                   <a:srgbClr val="FFFFFF"/>
                 </a:solidFill>
               </a14:hiddenFill>
             </a:ext>
-            <a:ext uri="{91240B29-F687-4f45-9708-019B960494DF}">
+            <a:ext uri="{91240B29-F687-4F45-9708-019B960494DF}">
               <a14:hiddenLine xmlns:a14="http://schemas.microsoft.com/office/drawing/2010/main" w="9525">
                 <a:solidFill>
                   <a:srgbClr val="000000"/>
@@ -22755,11 +22766,11 @@
             </a:lvl9pPr>
           </a:lstStyle>
           <a:p>
-            <a:fld id="{BA4980FC-289D-714E-BF3D-170E60283EAD}" type="datetime1">
+            <a:fld id="{33EBB715-3F40-4AEE-9C09-07983B3B5013}" type="datetime1">
               <a:rPr lang="en-US" sz="1200" smtClean="0">
                 <a:latin typeface="Garamond" charset="0"/>
               </a:rPr>
-              <a:t>5/16/16</a:t>
+              <a:t>5/18/2016</a:t>
             </a:fld>
             <a:endParaRPr lang="en-US" sz="1200">
               <a:latin typeface="Garamond" charset="0"/>
@@ -22787,7 +22798,7 @@
             </a:pPr>
             <a:r>
               <a:rPr lang="en-US" altLang="en-US" smtClean="0"/>
-              <a:t>Microprocessors I:  Lecture 11</a:t>
+              <a:t>Microprocessors I:  Lecture 2</a:t>
             </a:r>
             <a:endParaRPr lang="en-US" altLang="en-US"/>
           </a:p>
@@ -22807,14 +22818,14 @@
           <a:noFill/>
           <a:ln/>
           <a:extLst>
-            <a:ext uri="{909E8E84-426E-40dd-AFC4-6F175D3DCCD1}">
+            <a:ext uri="{909E8E84-426E-40DD-AFC4-6F175D3DCCD1}">
               <a14:hiddenFill xmlns:a14="http://schemas.microsoft.com/office/drawing/2010/main">
                 <a:solidFill>
                   <a:srgbClr val="FFFFFF"/>
                 </a:solidFill>
               </a14:hiddenFill>
             </a:ext>
-            <a:ext uri="{91240B29-F687-4f45-9708-019B960494DF}">
+            <a:ext uri="{91240B29-F687-4F45-9708-019B960494DF}">
               <a14:hiddenLine xmlns:a14="http://schemas.microsoft.com/office/drawing/2010/main" w="9525">
                 <a:solidFill>
                   <a:srgbClr val="000000"/>
@@ -22943,7 +22954,7 @@
   <p:timing>
     <p:tnLst>
       <p:par>
-        <p:cTn xmlns:p14="http://schemas.microsoft.com/office/powerpoint/2010/main" id="1" dur="indefinite" restart="never" nodeType="tmRoot"/>
+        <p:cTn id="1" dur="indefinite" restart="never" nodeType="tmRoot"/>
       </p:par>
     </p:tnLst>
   </p:timing>
@@ -23412,11 +23423,11 @@
           </a:lstStyle>
           <a:p>
             <a:pPr eaLnBrk="1" hangingPunct="1"/>
-            <a:fld id="{F79C44A9-1C2D-994D-872D-E9BFB8B0D208}" type="datetime1">
+            <a:fld id="{E772FAA7-681D-46BA-BC30-664A29F0A636}" type="datetime1">
               <a:rPr lang="en-US" smtClean="0">
                 <a:latin typeface="Garamond" charset="0"/>
               </a:rPr>
-              <a:t>5/16/16</a:t>
+              <a:t>5/18/2016</a:t>
             </a:fld>
             <a:endParaRPr lang="en-US">
               <a:latin typeface="Garamond" charset="0"/>
@@ -23444,7 +23455,7 @@
             </a:pPr>
             <a:r>
               <a:rPr lang="en-US" altLang="en-US" smtClean="0"/>
-              <a:t>Microprocessors I:  Lecture 5</a:t>
+              <a:t>Microprocessors I:  Lecture 2</a:t>
             </a:r>
             <a:endParaRPr lang="en-US" altLang="en-US"/>
           </a:p>
@@ -23607,7 +23618,7 @@
   <p:timing>
     <p:tnLst>
       <p:par>
-        <p:cTn xmlns:p14="http://schemas.microsoft.com/office/powerpoint/2010/main" id="1" dur="indefinite" restart="never" nodeType="tmRoot"/>
+        <p:cTn id="1" dur="indefinite" restart="never" nodeType="tmRoot"/>
       </p:par>
     </p:tnLst>
   </p:timing>
@@ -23879,11 +23890,11 @@
           </a:lstStyle>
           <a:p>
             <a:pPr eaLnBrk="1" hangingPunct="1"/>
-            <a:fld id="{EAF9FB78-74BA-BC4C-BBF3-90BC612AE112}" type="datetime1">
+            <a:fld id="{734560EF-7115-4F90-B862-11E72AA7421F}" type="datetime1">
               <a:rPr lang="en-US" smtClean="0">
                 <a:latin typeface="Garamond" charset="0"/>
               </a:rPr>
-              <a:t>5/16/16</a:t>
+              <a:t>5/18/2016</a:t>
             </a:fld>
             <a:endParaRPr lang="en-US">
               <a:latin typeface="Garamond" charset="0"/>
@@ -23911,7 +23922,7 @@
             </a:pPr>
             <a:r>
               <a:rPr lang="en-US" altLang="en-US" smtClean="0"/>
-              <a:t>Microprocessors I:  Lecture 6</a:t>
+              <a:t>Microprocessors I:  Lecture 2</a:t>
             </a:r>
             <a:endParaRPr lang="en-US" altLang="en-US"/>
           </a:p>
@@ -24074,7 +24085,7 @@
   <p:timing>
     <p:tnLst>
       <p:par>
-        <p:cTn xmlns:p14="http://schemas.microsoft.com/office/powerpoint/2010/main" id="1" dur="indefinite" restart="never" nodeType="tmRoot"/>
+        <p:cTn id="1" dur="indefinite" restart="never" nodeType="tmRoot"/>
       </p:par>
     </p:tnLst>
   </p:timing>
@@ -24306,11 +24317,11 @@
           </a:lstStyle>
           <a:p>
             <a:pPr eaLnBrk="1" hangingPunct="1"/>
-            <a:fld id="{817E1D3D-945E-4B44-8D58-589FF1F9453F}" type="datetime1">
+            <a:fld id="{8C300278-389A-4C21-BFCB-DBD6174CFD2A}" type="datetime1">
               <a:rPr lang="en-US" smtClean="0">
                 <a:latin typeface="Garamond" charset="0"/>
               </a:rPr>
-              <a:t>5/16/16</a:t>
+              <a:t>5/18/2016</a:t>
             </a:fld>
             <a:endParaRPr lang="en-US">
               <a:latin typeface="Garamond" charset="0"/>
@@ -24338,7 +24349,7 @@
             </a:pPr>
             <a:r>
               <a:rPr lang="en-US" altLang="en-US" smtClean="0"/>
-              <a:t>Microprocessors I:  Lecture 6</a:t>
+              <a:t>Microprocessors I:  Lecture 2</a:t>
             </a:r>
             <a:endParaRPr lang="en-US" altLang="en-US"/>
           </a:p>
@@ -24501,7 +24512,7 @@
   <p:timing>
     <p:tnLst>
       <p:par>
-        <p:cTn xmlns:p14="http://schemas.microsoft.com/office/powerpoint/2010/main" id="1" dur="indefinite" restart="never" nodeType="tmRoot"/>
+        <p:cTn id="1" dur="indefinite" restart="never" nodeType="tmRoot"/>
       </p:par>
     </p:tnLst>
   </p:timing>
@@ -25594,11 +25605,11 @@
           </a:lstStyle>
           <a:p>
             <a:pPr eaLnBrk="1" hangingPunct="1"/>
-            <a:fld id="{89576D36-8ECA-9142-8CD1-ED0B44AC218A}" type="datetime1">
+            <a:fld id="{180D66FE-F621-442F-A5EF-7447707218A5}" type="datetime1">
               <a:rPr lang="en-US" smtClean="0">
                 <a:latin typeface="Garamond" charset="0"/>
               </a:rPr>
-              <a:t>5/16/16</a:t>
+              <a:t>5/18/2016</a:t>
             </a:fld>
             <a:endParaRPr lang="en-US">
               <a:latin typeface="Garamond" charset="0"/>
@@ -25626,7 +25637,7 @@
             </a:pPr>
             <a:r>
               <a:rPr lang="en-US" altLang="en-US" smtClean="0"/>
-              <a:t>Microprocessors I:  Lecture 6</a:t>
+              <a:t>Microprocessors I:  Lecture 2</a:t>
             </a:r>
             <a:endParaRPr lang="en-US" altLang="en-US"/>
           </a:p>
@@ -25789,7 +25800,7 @@
   <p:timing>
     <p:tnLst>
       <p:par>
-        <p:cTn xmlns:p14="http://schemas.microsoft.com/office/powerpoint/2010/main" id="1" dur="indefinite" restart="never" nodeType="tmRoot"/>
+        <p:cTn id="1" dur="indefinite" restart="never" nodeType="tmRoot"/>
       </p:par>
     </p:tnLst>
   </p:timing>
@@ -26209,11 +26220,11 @@
           </a:lstStyle>
           <a:p>
             <a:pPr eaLnBrk="1" hangingPunct="1"/>
-            <a:fld id="{9D6D87CA-C9D4-5B48-B044-4B2AD5BF47F5}" type="datetime1">
+            <a:fld id="{47A518C0-3002-4C8E-AF77-55EF2E6082AE}" type="datetime1">
               <a:rPr lang="en-US" smtClean="0">
                 <a:latin typeface="Garamond" charset="0"/>
               </a:rPr>
-              <a:t>5/16/16</a:t>
+              <a:t>5/18/2016</a:t>
             </a:fld>
             <a:endParaRPr lang="en-US">
               <a:latin typeface="Garamond" charset="0"/>
@@ -26241,7 +26252,7 @@
             </a:pPr>
             <a:r>
               <a:rPr lang="en-US" altLang="en-US" smtClean="0"/>
-              <a:t>Microprocessors I:  Lecture 6</a:t>
+              <a:t>Microprocessors I:  Lecture 2</a:t>
             </a:r>
             <a:endParaRPr lang="en-US" altLang="en-US"/>
           </a:p>
@@ -26404,7 +26415,7 @@
   <p:timing>
     <p:tnLst>
       <p:par>
-        <p:cTn xmlns:p14="http://schemas.microsoft.com/office/powerpoint/2010/main" id="1" dur="indefinite" restart="never" nodeType="tmRoot"/>
+        <p:cTn id="1" dur="indefinite" restart="never" nodeType="tmRoot"/>
       </p:par>
     </p:tnLst>
   </p:timing>
@@ -26465,7 +26476,7 @@
         <p:spPr/>
         <p:txBody>
           <a:bodyPr>
-            <a:normAutofit lnSpcReduction="10000"/>
+            <a:normAutofit fontScale="92500"/>
           </a:bodyPr>
           <a:lstStyle/>
           <a:p>
@@ -26547,9 +26558,32 @@
           <a:p>
             <a:pPr lvl="1"/>
             <a:r>
-              <a:rPr lang="en-US"/>
-              <a:t>Exam 3: 6/23 instead of 6/27</a:t>
-            </a:r>
+              <a:rPr lang="en-US" dirty="0"/>
+              <a:t>Exam 3: 6/23 instead of </a:t>
+            </a:r>
+            <a:r>
+              <a:rPr lang="en-US" dirty="0" smtClean="0"/>
+              <a:t>6/27</a:t>
+            </a:r>
+          </a:p>
+          <a:p>
+            <a:pPr lvl="1"/>
+            <a:r>
+              <a:rPr lang="en-US" dirty="0"/>
+              <a:t>Time fixed in </a:t>
+            </a:r>
+            <a:r>
+              <a:rPr lang="en-US" dirty="0" err="1"/>
+              <a:t>SiS</a:t>
+            </a:r>
+            <a:r>
+              <a:rPr lang="en-US" dirty="0"/>
+              <a:t>—no more time conflict with Signals</a:t>
+            </a:r>
+          </a:p>
+          <a:p>
+            <a:pPr lvl="1"/>
+            <a:endParaRPr lang="en-US" dirty="0"/>
           </a:p>
           <a:p>
             <a:pPr lvl="1"/>
@@ -26690,11 +26724,11 @@
           </a:lstStyle>
           <a:p>
             <a:pPr eaLnBrk="1" hangingPunct="1"/>
-            <a:fld id="{1C3CB9B4-D0E3-A343-9A80-1D739BFC8FBE}" type="datetime1">
+            <a:fld id="{8DE96717-10E1-42AE-9163-AE5EF28F53AB}" type="datetime1">
               <a:rPr lang="en-US" smtClean="0">
                 <a:latin typeface="Garamond" charset="0"/>
               </a:rPr>
-              <a:t>5/16/16</a:t>
+              <a:t>5/18/2016</a:t>
             </a:fld>
             <a:endParaRPr lang="en-US">
               <a:latin typeface="Garamond" charset="0"/>
@@ -26721,9 +26755,10 @@
               <a:defRPr/>
             </a:pPr>
             <a:r>
-              <a:rPr lang="en-US" altLang="en-US"/>
-              <a:t>Microprocessors I:  Lecture 4</a:t>
-            </a:r>
+              <a:rPr lang="en-US" altLang="en-US" smtClean="0"/>
+              <a:t>Microprocessors I:  Lecture 2</a:t>
+            </a:r>
+            <a:endParaRPr lang="en-US" altLang="en-US"/>
           </a:p>
         </p:txBody>
       </p:sp>
@@ -26879,7 +26914,7 @@
   <p:timing>
     <p:tnLst>
       <p:par>
-        <p:cTn xmlns:p14="http://schemas.microsoft.com/office/powerpoint/2010/main" id="1" dur="indefinite" restart="never" nodeType="tmRoot"/>
+        <p:cTn id="1" dur="indefinite" restart="never" nodeType="tmRoot"/>
       </p:par>
     </p:tnLst>
   </p:timing>
@@ -27197,11 +27232,11 @@
           </a:lstStyle>
           <a:p>
             <a:pPr eaLnBrk="1" hangingPunct="1"/>
-            <a:fld id="{7971C0F7-24F9-A148-9EF1-4FA687099A5F}" type="datetime1">
+            <a:fld id="{69088879-3E88-4A54-BBA4-4072A7F7B82B}" type="datetime1">
               <a:rPr lang="en-US" smtClean="0">
                 <a:latin typeface="Garamond" charset="0"/>
               </a:rPr>
-              <a:t>5/16/16</a:t>
+              <a:t>5/18/2016</a:t>
             </a:fld>
             <a:endParaRPr lang="en-US">
               <a:latin typeface="Garamond" charset="0"/>
@@ -27229,7 +27264,7 @@
             </a:pPr>
             <a:r>
               <a:rPr lang="en-US" altLang="en-US" smtClean="0"/>
-              <a:t>Microprocessors I:  Lecture 4</a:t>
+              <a:t>Microprocessors I:  Lecture 2</a:t>
             </a:r>
             <a:endParaRPr lang="en-US" altLang="en-US"/>
           </a:p>
@@ -27392,7 +27427,7 @@
   <p:timing>
     <p:tnLst>
       <p:par>
-        <p:cTn xmlns:p14="http://schemas.microsoft.com/office/powerpoint/2010/main" id="1" dur="indefinite" restart="never" nodeType="tmRoot"/>
+        <p:cTn id="1" dur="indefinite" restart="never" nodeType="tmRoot"/>
       </p:par>
     </p:tnLst>
   </p:timing>
@@ -27701,11 +27736,11 @@
           </a:lstStyle>
           <a:p>
             <a:pPr eaLnBrk="1" hangingPunct="1"/>
-            <a:fld id="{0C2F3FD4-AADA-AE41-9344-7F5AE09F65D8}" type="datetime1">
+            <a:fld id="{202670C0-4E77-41F6-9663-3660637D4FBA}" type="datetime1">
               <a:rPr lang="en-US" smtClean="0">
                 <a:latin typeface="Garamond" charset="0"/>
               </a:rPr>
-              <a:t>5/16/16</a:t>
+              <a:t>5/18/2016</a:t>
             </a:fld>
             <a:endParaRPr lang="en-US">
               <a:latin typeface="Garamond" charset="0"/>
@@ -27733,7 +27768,7 @@
             </a:pPr>
             <a:r>
               <a:rPr lang="en-US" altLang="en-US" smtClean="0"/>
-              <a:t>Microprocessors I:  Lecture 4</a:t>
+              <a:t>Microprocessors I:  Lecture 2</a:t>
             </a:r>
             <a:endParaRPr lang="en-US" altLang="en-US"/>
           </a:p>
@@ -27896,7 +27931,7 @@
   <p:timing>
     <p:tnLst>
       <p:par>
-        <p:cTn xmlns:p14="http://schemas.microsoft.com/office/powerpoint/2010/main" id="1" dur="indefinite" restart="never" nodeType="tmRoot"/>
+        <p:cTn id="1" dur="indefinite" restart="never" nodeType="tmRoot"/>
       </p:par>
     </p:tnLst>
   </p:timing>
@@ -28223,11 +28258,11 @@
           </a:lstStyle>
           <a:p>
             <a:pPr eaLnBrk="1" hangingPunct="1"/>
-            <a:fld id="{68467A26-C432-6947-A04C-4BBAEA857206}" type="datetime1">
+            <a:fld id="{6F471AB1-0913-474E-B659-FEEBB62A278F}" type="datetime1">
               <a:rPr lang="en-US" smtClean="0">
                 <a:latin typeface="Garamond" charset="0"/>
               </a:rPr>
-              <a:t>5/16/16</a:t>
+              <a:t>5/18/2016</a:t>
             </a:fld>
             <a:endParaRPr lang="en-US">
               <a:latin typeface="Garamond" charset="0"/>
@@ -28255,7 +28290,7 @@
             </a:pPr>
             <a:r>
               <a:rPr lang="en-US" altLang="en-US" smtClean="0"/>
-              <a:t>Microprocessors I:  Lecture 4</a:t>
+              <a:t>Microprocessors I:  Lecture 2</a:t>
             </a:r>
             <a:endParaRPr lang="en-US" altLang="en-US"/>
           </a:p>
@@ -28418,7 +28453,7 @@
   <p:timing>
     <p:tnLst>
       <p:par>
-        <p:cTn xmlns:p14="http://schemas.microsoft.com/office/powerpoint/2010/main" id="1" dur="indefinite" restart="never" nodeType="tmRoot"/>
+        <p:cTn id="1" dur="indefinite" restart="never" nodeType="tmRoot"/>
       </p:par>
     </p:tnLst>
   </p:timing>
@@ -28758,11 +28793,11 @@
           </a:lstStyle>
           <a:p>
             <a:pPr eaLnBrk="1" hangingPunct="1"/>
-            <a:fld id="{B6FE1A36-67E9-3F46-B419-A86C04CE402F}" type="datetime1">
+            <a:fld id="{7AB2BD2E-FD5B-426B-9E9F-DAD376B29918}" type="datetime1">
               <a:rPr lang="en-US" smtClean="0">
                 <a:latin typeface="Garamond" charset="0"/>
               </a:rPr>
-              <a:t>5/16/16</a:t>
+              <a:t>5/18/2016</a:t>
             </a:fld>
             <a:endParaRPr lang="en-US">
               <a:latin typeface="Garamond" charset="0"/>
@@ -28790,7 +28825,7 @@
             </a:pPr>
             <a:r>
               <a:rPr lang="en-US" altLang="en-US" smtClean="0"/>
-              <a:t>Microprocessors I:  Lecture 4</a:t>
+              <a:t>Microprocessors I:  Lecture 2</a:t>
             </a:r>
             <a:endParaRPr lang="en-US" altLang="en-US"/>
           </a:p>
@@ -28953,7 +28988,7 @@
   <p:timing>
     <p:tnLst>
       <p:par>
-        <p:cTn xmlns:p14="http://schemas.microsoft.com/office/powerpoint/2010/main" id="1" dur="indefinite" restart="never" nodeType="tmRoot"/>
+        <p:cTn id="1" dur="indefinite" restart="never" nodeType="tmRoot"/>
       </p:par>
     </p:tnLst>
   </p:timing>
@@ -29244,11 +29279,11 @@
           </a:lstStyle>
           <a:p>
             <a:pPr eaLnBrk="1" hangingPunct="1"/>
-            <a:fld id="{3D8DE540-8BED-5745-A8FC-A7BCBB7025EE}" type="datetime1">
+            <a:fld id="{538505B4-11F2-460E-93D0-46367B0F6EDC}" type="datetime1">
               <a:rPr lang="en-US" smtClean="0">
                 <a:latin typeface="Garamond" charset="0"/>
               </a:rPr>
-              <a:t>5/16/16</a:t>
+              <a:t>5/18/2016</a:t>
             </a:fld>
             <a:endParaRPr lang="en-US">
               <a:latin typeface="Garamond" charset="0"/>
@@ -29276,7 +29311,7 @@
             </a:pPr>
             <a:r>
               <a:rPr lang="en-US" smtClean="0"/>
-              <a:t>Microprocessors I:  Lecture 4</a:t>
+              <a:t>Microprocessors I:  Lecture 2</a:t>
             </a:r>
             <a:endParaRPr lang="en-US"/>
           </a:p>
@@ -29524,13 +29559,13 @@
   <p:clrMapOvr>
     <a:masterClrMapping/>
   </p:clrMapOvr>
-  <p:transition xmlns:p14="http://schemas.microsoft.com/office/powerpoint/2010/main">
+  <p:transition>
     <p:cut/>
   </p:transition>
   <p:timing>
     <p:tnLst>
       <p:par>
-        <p:cTn xmlns:p14="http://schemas.microsoft.com/office/powerpoint/2010/main" id="1" dur="indefinite" restart="never" nodeType="tmRoot"/>
+        <p:cTn id="1" dur="indefinite" restart="never" nodeType="tmRoot"/>
       </p:par>
     </p:tnLst>
   </p:timing>
@@ -29793,11 +29828,11 @@
           </a:lstStyle>
           <a:p>
             <a:pPr eaLnBrk="1" hangingPunct="1"/>
-            <a:fld id="{B743FF6C-ECAE-DA41-8ED1-2F2F0E07DF90}" type="datetime1">
+            <a:fld id="{A1CE7D4D-9FCA-46AA-AC55-EE015A02AD94}" type="datetime1">
               <a:rPr lang="en-US" smtClean="0">
                 <a:latin typeface="Garamond" charset="0"/>
               </a:rPr>
-              <a:t>5/16/16</a:t>
+              <a:t>5/18/2016</a:t>
             </a:fld>
             <a:endParaRPr lang="en-US">
               <a:latin typeface="Garamond" charset="0"/>
@@ -29825,7 +29860,7 @@
             </a:pPr>
             <a:r>
               <a:rPr lang="en-US" smtClean="0"/>
-              <a:t>Microprocessors I:  Lecture 4</a:t>
+              <a:t>Microprocessors I:  Lecture 2</a:t>
             </a:r>
             <a:endParaRPr lang="en-US"/>
           </a:p>
@@ -29985,13 +30020,13 @@
   <p:clrMapOvr>
     <a:masterClrMapping/>
   </p:clrMapOvr>
-  <p:transition xmlns:p14="http://schemas.microsoft.com/office/powerpoint/2010/main">
+  <p:transition>
     <p:cut/>
   </p:transition>
   <p:timing>
     <p:tnLst>
       <p:par>
-        <p:cTn xmlns:p14="http://schemas.microsoft.com/office/powerpoint/2010/main" id="1" dur="indefinite" restart="never" nodeType="tmRoot"/>
+        <p:cTn id="1" dur="indefinite" restart="never" nodeType="tmRoot"/>
       </p:par>
     </p:tnLst>
   </p:timing>
